--- a/documents/METCS777-Term-Paper--Nguyen-Cao.pptx
+++ b/documents/METCS777-Term-Paper--Nguyen-Cao.pptx
@@ -21,9 +21,9 @@
     <p:sldId id="260" r:id="rId9"/>
     <p:sldId id="265" r:id="rId10"/>
     <p:sldId id="266" r:id="rId11"/>
-    <p:sldId id="269" r:id="rId12"/>
-    <p:sldId id="267" r:id="rId13"/>
-    <p:sldId id="268" r:id="rId14"/>
+    <p:sldId id="268" r:id="rId12"/>
+    <p:sldId id="269" r:id="rId13"/>
+    <p:sldId id="267" r:id="rId14"/>
     <p:sldId id="261" r:id="rId15"/>
   </p:sldIdLst>
   <p:sldSz cx="9144000" cy="6858000" type="screen4x3"/>
@@ -561,6 +561,90 @@
 </p:handoutMaster>
 </file>
 
+<file path=ppt/ink/ink1.xml><?xml version="1.0" encoding="utf-8"?>
+<inkml:ink xmlns:inkml="http://www.w3.org/2003/InkML">
+  <inkml:definitions>
+    <inkml:context xml:id="ctx0">
+      <inkml:inkSource xml:id="inkSrc0">
+        <inkml:traceFormat>
+          <inkml:channel name="X" type="integer" min="-2.14748E9" max="2.14748E9" units="cm"/>
+          <inkml:channel name="Y" type="integer" min="-2.14748E9" max="2.14748E9" units="cm"/>
+          <inkml:channel name="F" type="integer" max="32767" units="dev"/>
+        </inkml:traceFormat>
+        <inkml:channelProperties>
+          <inkml:channelProperty channel="X" name="resolution" value="1000" units="1/cm"/>
+          <inkml:channelProperty channel="Y" name="resolution" value="1000" units="1/cm"/>
+          <inkml:channelProperty channel="F" name="resolution" value="0" units="1/dev"/>
+        </inkml:channelProperties>
+      </inkml:inkSource>
+      <inkml:timestamp xml:id="ts0" timeString="2024-03-21T12:39:40.168"/>
+    </inkml:context>
+    <inkml:brush xml:id="br0">
+      <inkml:brushProperty name="width" value="0.05" units="cm"/>
+      <inkml:brushProperty name="height" value="0.05" units="cm"/>
+      <inkml:brushProperty name="color" value="#F6630D"/>
+    </inkml:brush>
+  </inkml:definitions>
+  <inkml:trace contextRef="#ctx0" brushRef="#br0">22 0 24575,'0'6'0,"0"-1"0,-1-1 0,1 1 0,-1 1 0,1 1 0,-1 1 0,1-1 0,-1 0 0,1 0 0,-1 1 0,-1 0 0,1 1 0,0-2 0,0 0 0,0 0 0,1 1 0,-1 0 0,0 2 0,0-1 0,0-2 0,1 0 0,-1-2 0,1 0 0,-1 1 0,1 0 0,-1 0 0,1 1 0,-1-1 0,1 1 0,0-2 0,-1 0 0,1 0 0,0-1 0,0-1 0,-1-2 0,1 0 0,0-1 0</inkml:trace>
+</inkml:ink>
+</file>
+
+<file path=ppt/ink/ink2.xml><?xml version="1.0" encoding="utf-8"?>
+<inkml:ink xmlns:inkml="http://www.w3.org/2003/InkML">
+  <inkml:definitions>
+    <inkml:context xml:id="ctx0">
+      <inkml:inkSource xml:id="inkSrc0">
+        <inkml:traceFormat>
+          <inkml:channel name="X" type="integer" min="-2.14748E9" max="2.14748E9" units="cm"/>
+          <inkml:channel name="Y" type="integer" min="-2.14748E9" max="2.14748E9" units="cm"/>
+          <inkml:channel name="F" type="integer" max="32767" units="dev"/>
+        </inkml:traceFormat>
+        <inkml:channelProperties>
+          <inkml:channelProperty channel="X" name="resolution" value="1000" units="1/cm"/>
+          <inkml:channelProperty channel="Y" name="resolution" value="1000" units="1/cm"/>
+          <inkml:channelProperty channel="F" name="resolution" value="0" units="1/dev"/>
+        </inkml:channelProperties>
+      </inkml:inkSource>
+      <inkml:timestamp xml:id="ts0" timeString="2024-03-21T12:39:43.786"/>
+    </inkml:context>
+    <inkml:brush xml:id="br0">
+      <inkml:brushProperty name="width" value="0.05" units="cm"/>
+      <inkml:brushProperty name="height" value="0.05" units="cm"/>
+      <inkml:brushProperty name="color" value="#F6630D"/>
+    </inkml:brush>
+  </inkml:definitions>
+  <inkml:trace contextRef="#ctx0" brushRef="#br0">45 8 24575,'6'-2'0,"0"1"0,0-1 0,-1 1 0,-1 1 0,0-1 0,-1 1 0,0-1 0,-1 1 0,0 0 0,2 0 0,0 0 0,1 0 0,-1 0 0,0 0 0,0 1 0,1-1 0,-1 1 0,-1 0 0,0-1 0,0 0 0,-1 1 0,0-1 0,0 1 0,-1 1 0,0 0 0,1 2 0,0 3 0,0 2 0,0 1 0,0 1 0,0-3 0,-1-2 0,-1 0 0,0 0 0,0 0 0,-1 0 0,0-1 0,0 1 0,-1 0 0,0 1 0,1 0 0,-2 1 0,-1 0 0,0-1 0,-2 2 0,-1-1 0,0 0 0,-1-2 0,-1 0 0,-1 0 0,1 0 0,0-1 0,2-1 0,-1-1 0,1 0 0,-1 0 0,1 0 0,1 0 0,1-2 0,2 0 0,0 0 0,1 0 0,-2-1 0,1 1 0,0 0 0,11-3 0,1 0 0,11 0 0,-1 0 0,1 1 0,-2 0 0,-4 0 0,-3 1 0,-2 0 0,-3 0 0,0 0 0,1 0 0,1 0 0,-1 0 0,-1 0 0,-1 1 0,-2-1 0,0 0 0,1 0 0,3 0 0,1 1 0,-1-1 0,-1 0 0,-3 0 0,-2 0 0</inkml:trace>
+</inkml:ink>
+</file>
+
+<file path=ppt/ink/ink3.xml><?xml version="1.0" encoding="utf-8"?>
+<inkml:ink xmlns:inkml="http://www.w3.org/2003/InkML">
+  <inkml:definitions>
+    <inkml:context xml:id="ctx0">
+      <inkml:inkSource xml:id="inkSrc0">
+        <inkml:traceFormat>
+          <inkml:channel name="X" type="integer" min="-2.14748E9" max="2.14748E9" units="cm"/>
+          <inkml:channel name="Y" type="integer" min="-2.14748E9" max="2.14748E9" units="cm"/>
+          <inkml:channel name="F" type="integer" max="32767" units="dev"/>
+        </inkml:traceFormat>
+        <inkml:channelProperties>
+          <inkml:channelProperty channel="X" name="resolution" value="1000" units="1/cm"/>
+          <inkml:channelProperty channel="Y" name="resolution" value="1000" units="1/cm"/>
+          <inkml:channelProperty channel="F" name="resolution" value="0" units="1/dev"/>
+        </inkml:channelProperties>
+      </inkml:inkSource>
+      <inkml:timestamp xml:id="ts0" timeString="2024-03-21T12:39:46.668"/>
+    </inkml:context>
+    <inkml:brush xml:id="br0">
+      <inkml:brushProperty name="width" value="0.05" units="cm"/>
+      <inkml:brushProperty name="height" value="0.05" units="cm"/>
+      <inkml:brushProperty name="color" value="#F6630D"/>
+    </inkml:brush>
+  </inkml:definitions>
+  <inkml:trace contextRef="#ctx0" brushRef="#br0">25 27 24575,'6'-5'0,"1"0"0,-1 0 0,0 1 0,0 1 0,0 1 0,0 1 0,-1 0 0,-1 0 0,1 2 0,5-1 0,6 2 0,9 2 0,2 0 0,-5 0 0,-9-1 0,-8-1 0,-4-1 0,-1 2 0,1 2 0,0 3 0,-1 2 0,-1 1 0,0-1 0,-1-1 0,0-1 0,-2-1 0,-3 0 0,-1-1 0,-4-1 0,-4 0 0,-6-1 0,-3-1 0,-2 0 0,5-2 0,6 0 0,11 0 0,5-1 0,6 1 0,3-1 0,4 1 0,1 1 0,3-1 0,-3 1 0,-5-1 0,-5 0 0,-3 0 0,0 1 0,1 2 0,1 2 0,0 0 0,-1 0 0,-1-1 0,0-1 0,0-1 0,0 0 0,-1-1 0,0 1 0,0 2 0,0 1 0,0-1 0,0 0 0,0 0 0,-1-2 0,0 2 0,1-2 0,0 1 0,0 0 0,-1 0 0,0 2 0,0 0 0,0-1 0,0 0 0,1-2 0,-2 0 0,0 0 0,-2 1 0,0-2 0,1 1 0,0-1 0,-1 0 0,-2 0 0,-2 0 0,-2 0 0,0-1 0,-1-1 0,0 0 0,-2 0 0,0 0 0,3-1 0,3 0 0,3 0 0,3 0 0,0 0 0,1 1 0</inkml:trace>
+</inkml:ink>
+</file>
+
 <file path=ppt/notesMasters/notesMaster1.xml><?xml version="1.0" encoding="utf-8"?>
 <p:notesMaster xmlns:a="http://schemas.openxmlformats.org/drawingml/2006/main" xmlns:r="http://schemas.openxmlformats.org/officeDocument/2006/relationships" xmlns:p="http://schemas.openxmlformats.org/presentationml/2006/main">
   <p:cSld>
@@ -1448,7 +1532,7 @@
         <p:cNvPr id="1" name="">
           <a:extLst>
             <a:ext uri="{FF2B5EF4-FFF2-40B4-BE49-F238E27FC236}">
-              <a16:creationId xmlns:a16="http://schemas.microsoft.com/office/drawing/2014/main" id="{5E17D8B6-52A5-66C7-3BED-BA52678E2090}"/>
+              <a16:creationId xmlns:a16="http://schemas.microsoft.com/office/drawing/2014/main" id="{396285F6-6DC1-F4EB-DC9C-5C7B37F2A51A}"/>
             </a:ext>
           </a:extLst>
         </p:cNvPr>
@@ -1468,7 +1552,7 @@
           <p:cNvPr id="7" name="Rectangle 7">
             <a:extLst>
               <a:ext uri="{FF2B5EF4-FFF2-40B4-BE49-F238E27FC236}">
-                <a16:creationId xmlns:a16="http://schemas.microsoft.com/office/drawing/2014/main" id="{322BDEA1-BE54-2F13-A65F-C921161BDF3D}"/>
+                <a16:creationId xmlns:a16="http://schemas.microsoft.com/office/drawing/2014/main" id="{535BF2EA-855F-5439-6C7E-A76249E98D62}"/>
               </a:ext>
             </a:extLst>
           </p:cNvPr>
@@ -1503,7 +1587,7 @@
           <p:cNvPr id="7170" name="Rectangle 2">
             <a:extLst>
               <a:ext uri="{FF2B5EF4-FFF2-40B4-BE49-F238E27FC236}">
-                <a16:creationId xmlns:a16="http://schemas.microsoft.com/office/drawing/2014/main" id="{6BA0A420-B1FC-768D-A6F5-518D0DE277EF}"/>
+                <a16:creationId xmlns:a16="http://schemas.microsoft.com/office/drawing/2014/main" id="{82798A41-F85B-579D-D919-5738114F999A}"/>
               </a:ext>
             </a:extLst>
           </p:cNvPr>
@@ -1523,7 +1607,7 @@
           <p:cNvPr id="7171" name="Rectangle 3">
             <a:extLst>
               <a:ext uri="{FF2B5EF4-FFF2-40B4-BE49-F238E27FC236}">
-                <a16:creationId xmlns:a16="http://schemas.microsoft.com/office/drawing/2014/main" id="{EAAAEBB1-0499-AAF7-5B30-B24F63EB80EA}"/>
+                <a16:creationId xmlns:a16="http://schemas.microsoft.com/office/drawing/2014/main" id="{5F61AE77-BAC8-0D27-C438-A2FF0A17A452}"/>
               </a:ext>
             </a:extLst>
           </p:cNvPr>
@@ -1542,59 +1626,14 @@
             <a:pPr eaLnBrk="1" hangingPunct="1">
               <a:defRPr/>
             </a:pPr>
-            <a:r>
-              <a:rPr lang="en-US" altLang="en-US" dirty="0"/>
-              <a:t>We have the Airflow Interface where you can see Graph view, Grid view, and so on. We have all the DAGs stored in the DAG folder, Postgres connection setup. </a:t>
-            </a:r>
-          </a:p>
-          <a:p>
-            <a:pPr eaLnBrk="1" hangingPunct="1">
-              <a:defRPr/>
-            </a:pPr>
-            <a:r>
-              <a:rPr lang="en-US" altLang="en-US" dirty="0"/>
-              <a:t>There’s a thing called the Scheduler that operates behind the scenes, responsible for scheduling DAGs and tasks. It calls DAGs when times come, and triggers task instances once their dependencies are complete. </a:t>
-            </a:r>
-          </a:p>
-          <a:p>
-            <a:pPr eaLnBrk="1" hangingPunct="1">
-              <a:defRPr/>
-            </a:pPr>
-            <a:r>
-              <a:rPr lang="en-US" altLang="en-US" dirty="0"/>
-              <a:t>Depending on the Executor, let’s say </a:t>
-            </a:r>
-            <a:r>
-              <a:rPr lang="en-US" altLang="en-US" dirty="0" err="1"/>
-              <a:t>SequentialExecutor</a:t>
-            </a:r>
-            <a:r>
-              <a:rPr lang="en-US" altLang="en-US" dirty="0"/>
-              <a:t> comes by default is the simplest that runs tasks locally but doesn’t offer parallel task running, it’s like </a:t>
-            </a:r>
-            <a:r>
-              <a:rPr lang="en-US" altLang="en-US" dirty="0" err="1"/>
-              <a:t>LocalExecutor</a:t>
-            </a:r>
-            <a:r>
-              <a:rPr lang="en-US" altLang="en-US" dirty="0"/>
-              <a:t> but </a:t>
-            </a:r>
-            <a:r>
-              <a:rPr lang="en-US" altLang="en-US" dirty="0" err="1"/>
-              <a:t>limit_parallelism</a:t>
-            </a:r>
-            <a:r>
-              <a:rPr lang="en-US" altLang="en-US" dirty="0"/>
-              <a:t> = 1. But if you have other settings then there will be multiple workers. </a:t>
-            </a:r>
+            <a:endParaRPr lang="en-US" altLang="en-US"/>
           </a:p>
         </p:txBody>
       </p:sp>
     </p:spTree>
     <p:extLst>
       <p:ext uri="{BB962C8B-B14F-4D97-AF65-F5344CB8AC3E}">
-        <p14:creationId xmlns:p14="http://schemas.microsoft.com/office/powerpoint/2010/main" val="1154967297"/>
+        <p14:creationId xmlns:p14="http://schemas.microsoft.com/office/powerpoint/2010/main" val="114095835"/>
       </p:ext>
     </p:extLst>
   </p:cSld>
@@ -1612,7 +1651,7 @@
         <p:cNvPr id="1" name="">
           <a:extLst>
             <a:ext uri="{FF2B5EF4-FFF2-40B4-BE49-F238E27FC236}">
-              <a16:creationId xmlns:a16="http://schemas.microsoft.com/office/drawing/2014/main" id="{2E05BEED-1B25-E374-0B2E-1D0369C8FFAB}"/>
+              <a16:creationId xmlns:a16="http://schemas.microsoft.com/office/drawing/2014/main" id="{396285F6-6DC1-F4EB-DC9C-5C7B37F2A51A}"/>
             </a:ext>
           </a:extLst>
         </p:cNvPr>
@@ -1632,7 +1671,7 @@
           <p:cNvPr id="7" name="Rectangle 7">
             <a:extLst>
               <a:ext uri="{FF2B5EF4-FFF2-40B4-BE49-F238E27FC236}">
-                <a16:creationId xmlns:a16="http://schemas.microsoft.com/office/drawing/2014/main" id="{003CDEAE-ED0B-A4B7-2873-9D59BADBFC17}"/>
+                <a16:creationId xmlns:a16="http://schemas.microsoft.com/office/drawing/2014/main" id="{535BF2EA-855F-5439-6C7E-A76249E98D62}"/>
               </a:ext>
             </a:extLst>
           </p:cNvPr>
@@ -1667,7 +1706,7 @@
           <p:cNvPr id="7170" name="Rectangle 2">
             <a:extLst>
               <a:ext uri="{FF2B5EF4-FFF2-40B4-BE49-F238E27FC236}">
-                <a16:creationId xmlns:a16="http://schemas.microsoft.com/office/drawing/2014/main" id="{FE3D40BF-7708-849A-747A-C808B7ED856A}"/>
+                <a16:creationId xmlns:a16="http://schemas.microsoft.com/office/drawing/2014/main" id="{82798A41-F85B-579D-D919-5738114F999A}"/>
               </a:ext>
             </a:extLst>
           </p:cNvPr>
@@ -1687,7 +1726,7 @@
           <p:cNvPr id="7171" name="Rectangle 3">
             <a:extLst>
               <a:ext uri="{FF2B5EF4-FFF2-40B4-BE49-F238E27FC236}">
-                <a16:creationId xmlns:a16="http://schemas.microsoft.com/office/drawing/2014/main" id="{D91CAB74-E0A3-C06C-7AEC-5D3A90B9F88E}"/>
+                <a16:creationId xmlns:a16="http://schemas.microsoft.com/office/drawing/2014/main" id="{5F61AE77-BAC8-0D27-C438-A2FF0A17A452}"/>
               </a:ext>
             </a:extLst>
           </p:cNvPr>
@@ -1706,14 +1745,14 @@
             <a:pPr eaLnBrk="1" hangingPunct="1">
               <a:defRPr/>
             </a:pPr>
-            <a:endParaRPr lang="en-US" altLang="en-US"/>
+            <a:endParaRPr lang="en-US" altLang="en-US" dirty="0"/>
           </a:p>
         </p:txBody>
       </p:sp>
     </p:spTree>
     <p:extLst>
       <p:ext uri="{BB962C8B-B14F-4D97-AF65-F5344CB8AC3E}">
-        <p14:creationId xmlns:p14="http://schemas.microsoft.com/office/powerpoint/2010/main" val="988757391"/>
+        <p14:creationId xmlns:p14="http://schemas.microsoft.com/office/powerpoint/2010/main" val="2926131091"/>
       </p:ext>
     </p:extLst>
   </p:cSld>
@@ -1731,7 +1770,7 @@
         <p:cNvPr id="1" name="">
           <a:extLst>
             <a:ext uri="{FF2B5EF4-FFF2-40B4-BE49-F238E27FC236}">
-              <a16:creationId xmlns:a16="http://schemas.microsoft.com/office/drawing/2014/main" id="{396285F6-6DC1-F4EB-DC9C-5C7B37F2A51A}"/>
+              <a16:creationId xmlns:a16="http://schemas.microsoft.com/office/drawing/2014/main" id="{2E05BEED-1B25-E374-0B2E-1D0369C8FFAB}"/>
             </a:ext>
           </a:extLst>
         </p:cNvPr>
@@ -1751,7 +1790,7 @@
           <p:cNvPr id="7" name="Rectangle 7">
             <a:extLst>
               <a:ext uri="{FF2B5EF4-FFF2-40B4-BE49-F238E27FC236}">
-                <a16:creationId xmlns:a16="http://schemas.microsoft.com/office/drawing/2014/main" id="{535BF2EA-855F-5439-6C7E-A76249E98D62}"/>
+                <a16:creationId xmlns:a16="http://schemas.microsoft.com/office/drawing/2014/main" id="{003CDEAE-ED0B-A4B7-2873-9D59BADBFC17}"/>
               </a:ext>
             </a:extLst>
           </p:cNvPr>
@@ -1786,7 +1825,7 @@
           <p:cNvPr id="7170" name="Rectangle 2">
             <a:extLst>
               <a:ext uri="{FF2B5EF4-FFF2-40B4-BE49-F238E27FC236}">
-                <a16:creationId xmlns:a16="http://schemas.microsoft.com/office/drawing/2014/main" id="{82798A41-F85B-579D-D919-5738114F999A}"/>
+                <a16:creationId xmlns:a16="http://schemas.microsoft.com/office/drawing/2014/main" id="{FE3D40BF-7708-849A-747A-C808B7ED856A}"/>
               </a:ext>
             </a:extLst>
           </p:cNvPr>
@@ -1806,7 +1845,7 @@
           <p:cNvPr id="7171" name="Rectangle 3">
             <a:extLst>
               <a:ext uri="{FF2B5EF4-FFF2-40B4-BE49-F238E27FC236}">
-                <a16:creationId xmlns:a16="http://schemas.microsoft.com/office/drawing/2014/main" id="{5F61AE77-BAC8-0D27-C438-A2FF0A17A452}"/>
+                <a16:creationId xmlns:a16="http://schemas.microsoft.com/office/drawing/2014/main" id="{D91CAB74-E0A3-C06C-7AEC-5D3A90B9F88E}"/>
               </a:ext>
             </a:extLst>
           </p:cNvPr>
@@ -1832,7 +1871,7 @@
     </p:spTree>
     <p:extLst>
       <p:ext uri="{BB962C8B-B14F-4D97-AF65-F5344CB8AC3E}">
-        <p14:creationId xmlns:p14="http://schemas.microsoft.com/office/powerpoint/2010/main" val="114095835"/>
+        <p14:creationId xmlns:p14="http://schemas.microsoft.com/office/powerpoint/2010/main" val="988757391"/>
       </p:ext>
     </p:extLst>
   </p:cSld>
@@ -2057,7 +2096,7 @@
             <a:pPr eaLnBrk="1" hangingPunct="1">
               <a:defRPr/>
             </a:pPr>
-            <a:endParaRPr lang="en-US" altLang="en-US"/>
+            <a:endParaRPr lang="en-US" altLang="en-US" dirty="0"/>
           </a:p>
         </p:txBody>
       </p:sp>
@@ -6803,48 +6842,9 @@
               <a:defRPr/>
             </a:pPr>
             <a:r>
-              <a:rPr lang="en-US" altLang="en-US"/>
-              <a:t>Presentation Title</a:t>
-            </a:r>
-          </a:p>
-        </p:txBody>
-      </p:sp>
-      <p:sp>
-        <p:nvSpPr>
-          <p:cNvPr id="6" name="Date Placeholder 4">
-            <a:extLst>
-              <a:ext uri="{FF2B5EF4-FFF2-40B4-BE49-F238E27FC236}">
-                <a16:creationId xmlns:a16="http://schemas.microsoft.com/office/drawing/2014/main" id="{00C28BD0-615E-2EFE-CB1D-148C6D944665}"/>
-              </a:ext>
-            </a:extLst>
-          </p:cNvPr>
-          <p:cNvSpPr>
-            <a:spLocks noGrp="1"/>
-          </p:cNvSpPr>
-          <p:nvPr>
-            <p:ph type="dt" sz="quarter" idx="11"/>
-          </p:nvPr>
-        </p:nvSpPr>
-        <p:spPr/>
-        <p:txBody>
-          <a:bodyPr/>
-          <a:lstStyle/>
-          <a:p>
-            <a:pPr>
-              <a:defRPr/>
-            </a:pPr>
-            <a:r>
-              <a:rPr lang="en-US" altLang="en-US"/>
-              <a:t>2/3/08  </a:t>
-            </a:r>
-            <a:fld id="{82DD7A96-85F9-454B-A1B3-FA2F0A06CD82}" type="slidenum">
-              <a:rPr lang="en-US" altLang="en-US"/>
-              <a:pPr>
-                <a:defRPr/>
-              </a:pPr>
-              <a:t>10</a:t>
-            </a:fld>
-            <a:endParaRPr lang="en-US" altLang="en-US" baseline="0"/>
+              <a:rPr lang="en-US" altLang="en-US" dirty="0"/>
+              <a:t>Apache Airflow and Workflow Management in Predicting Stocks</a:t>
+            </a:r>
           </a:p>
         </p:txBody>
       </p:sp>
@@ -7055,7 +7055,7 @@
         <p:cNvPr id="1" name="">
           <a:extLst>
             <a:ext uri="{FF2B5EF4-FFF2-40B4-BE49-F238E27FC236}">
-              <a16:creationId xmlns:a16="http://schemas.microsoft.com/office/drawing/2014/main" id="{6C61AE61-C9CB-BB97-C2A1-1A2EDBD57096}"/>
+              <a16:creationId xmlns:a16="http://schemas.microsoft.com/office/drawing/2014/main" id="{4FEFCBA7-3EAE-8008-1378-E1BA98F03AB5}"/>
             </a:ext>
           </a:extLst>
         </p:cNvPr>
@@ -7072,10 +7072,80 @@
       </p:grpSpPr>
       <p:sp>
         <p:nvSpPr>
+          <p:cNvPr id="40" name="椭圆 39">
+            <a:extLst>
+              <a:ext uri="{FF2B5EF4-FFF2-40B4-BE49-F238E27FC236}">
+                <a16:creationId xmlns:a16="http://schemas.microsoft.com/office/drawing/2014/main" id="{0133B6E1-2721-3C9B-FEDF-0E27FBAB29FF}"/>
+              </a:ext>
+            </a:extLst>
+          </p:cNvPr>
+          <p:cNvSpPr/>
+          <p:nvPr/>
+        </p:nvSpPr>
+        <p:spPr bwMode="auto">
+          <a:xfrm>
+            <a:off x="5270467" y="2532148"/>
+            <a:ext cx="262260" cy="246221"/>
+          </a:xfrm>
+          <a:prstGeom prst="ellipse">
+            <a:avLst/>
+          </a:prstGeom>
+          <a:solidFill>
+            <a:srgbClr val="92D050"/>
+          </a:solidFill>
+          <a:ln w="9525" cap="flat" cmpd="sng" algn="ctr">
+            <a:noFill/>
+            <a:prstDash val="solid"/>
+            <a:round/>
+            <a:headEnd type="none" w="med" len="med"/>
+            <a:tailEnd type="none" w="med" len="med"/>
+          </a:ln>
+          <a:effectLst/>
+        </p:spPr>
+        <p:txBody>
+          <a:bodyPr vert="horz" wrap="square" lIns="91440" tIns="45720" rIns="91440" bIns="45720" numCol="1" rtlCol="0" anchor="t" anchorCtr="0" compatLnSpc="1">
+            <a:prstTxWarp prst="textNoShape">
+              <a:avLst/>
+            </a:prstTxWarp>
+          </a:bodyPr>
+          <a:lstStyle/>
+          <a:p>
+            <a:pPr marL="0" marR="0" indent="0" algn="l" defTabSz="914400" rtl="0" eaLnBrk="0" fontAlgn="base" latinLnBrk="0" hangingPunct="0">
+              <a:lnSpc>
+                <a:spcPct val="100000"/>
+              </a:lnSpc>
+              <a:spcBef>
+                <a:spcPct val="0"/>
+              </a:spcBef>
+              <a:spcAft>
+                <a:spcPct val="0"/>
+              </a:spcAft>
+              <a:buClrTx/>
+              <a:buSzTx/>
+              <a:buFontTx/>
+              <a:buNone/>
+              <a:tabLst/>
+            </a:pPr>
+            <a:endParaRPr kumimoji="0" lang="zh-CN" altLang="en-US" sz="2400" b="0" i="0" u="none" strike="noStrike" cap="none" normalizeH="0" baseline="0">
+              <a:ln>
+                <a:noFill/>
+              </a:ln>
+              <a:solidFill>
+                <a:schemeClr val="tx1"/>
+              </a:solidFill>
+              <a:effectLst/>
+              <a:latin typeface="Arial" charset="0"/>
+              <a:ea typeface="Osaka" charset="0"/>
+            </a:endParaRPr>
+          </a:p>
+        </p:txBody>
+      </p:sp>
+      <p:sp>
+        <p:nvSpPr>
           <p:cNvPr id="5" name="Footer Placeholder 3">
             <a:extLst>
               <a:ext uri="{FF2B5EF4-FFF2-40B4-BE49-F238E27FC236}">
-                <a16:creationId xmlns:a16="http://schemas.microsoft.com/office/drawing/2014/main" id="{E969778E-B144-8C3A-8B64-FA7E02AED1D4}"/>
+                <a16:creationId xmlns:a16="http://schemas.microsoft.com/office/drawing/2014/main" id="{0F883EFB-CD33-1AA5-651A-276141C5198A}"/>
               </a:ext>
             </a:extLst>
           </p:cNvPr>
@@ -7095,48 +7165,9 @@
               <a:defRPr/>
             </a:pPr>
             <a:r>
-              <a:rPr lang="en-US" altLang="en-US"/>
-              <a:t>Presentation Title</a:t>
-            </a:r>
-          </a:p>
-        </p:txBody>
-      </p:sp>
-      <p:sp>
-        <p:nvSpPr>
-          <p:cNvPr id="6" name="Date Placeholder 4">
-            <a:extLst>
-              <a:ext uri="{FF2B5EF4-FFF2-40B4-BE49-F238E27FC236}">
-                <a16:creationId xmlns:a16="http://schemas.microsoft.com/office/drawing/2014/main" id="{D2431D52-D339-BD3D-F97B-5BA23ED46F85}"/>
-              </a:ext>
-            </a:extLst>
-          </p:cNvPr>
-          <p:cNvSpPr>
-            <a:spLocks noGrp="1"/>
-          </p:cNvSpPr>
-          <p:nvPr>
-            <p:ph type="dt" sz="quarter" idx="11"/>
-          </p:nvPr>
-        </p:nvSpPr>
-        <p:spPr/>
-        <p:txBody>
-          <a:bodyPr/>
-          <a:lstStyle/>
-          <a:p>
-            <a:pPr>
-              <a:defRPr/>
-            </a:pPr>
-            <a:r>
-              <a:rPr lang="en-US" altLang="en-US"/>
-              <a:t>2/3/08  </a:t>
-            </a:r>
-            <a:fld id="{82DD7A96-85F9-454B-A1B3-FA2F0A06CD82}" type="slidenum">
-              <a:rPr lang="en-US" altLang="en-US"/>
-              <a:pPr>
-                <a:defRPr/>
-              </a:pPr>
-              <a:t>11</a:t>
-            </a:fld>
-            <a:endParaRPr lang="en-US" altLang="en-US" baseline="0"/>
+              <a:rPr lang="en-US" altLang="en-US" dirty="0"/>
+              <a:t>Apache Airflow and Workflow Management in Predicting Stocks</a:t>
+            </a:r>
           </a:p>
         </p:txBody>
       </p:sp>
@@ -7145,7 +7176,7 @@
           <p:cNvPr id="5122" name="Rectangle 2">
             <a:extLst>
               <a:ext uri="{FF2B5EF4-FFF2-40B4-BE49-F238E27FC236}">
-                <a16:creationId xmlns:a16="http://schemas.microsoft.com/office/drawing/2014/main" id="{C16D4AEB-8097-57BD-393A-A59A329D1C0C}"/>
+                <a16:creationId xmlns:a16="http://schemas.microsoft.com/office/drawing/2014/main" id="{E776B972-6DA3-4D3C-9B12-8B935116835B}"/>
               </a:ext>
             </a:extLst>
           </p:cNvPr>
@@ -7166,18 +7197,251 @@
             </a:pPr>
             <a:r>
               <a:rPr lang="en-US" altLang="en-US" b="1" dirty="0"/>
-              <a:t>Core Components</a:t>
-            </a:r>
+              <a:t>Demo: Stock prediction with Airflow</a:t>
+            </a:r>
+            <a:br>
+              <a:rPr lang="en-US" altLang="en-US" b="1" dirty="0"/>
+            </a:br>
             <a:endParaRPr lang="en-US" altLang="en-US" dirty="0"/>
           </a:p>
         </p:txBody>
       </p:sp>
       <p:sp>
         <p:nvSpPr>
+          <p:cNvPr id="5123" name="Rectangle 3">
+            <a:extLst>
+              <a:ext uri="{FF2B5EF4-FFF2-40B4-BE49-F238E27FC236}">
+                <a16:creationId xmlns:a16="http://schemas.microsoft.com/office/drawing/2014/main" id="{E845B75B-C7C2-8FBB-5226-9CCE539A783C}"/>
+              </a:ext>
+            </a:extLst>
+          </p:cNvPr>
+          <p:cNvSpPr>
+            <a:spLocks noGrp="1" noChangeArrowheads="1"/>
+          </p:cNvSpPr>
+          <p:nvPr>
+            <p:ph type="body" idx="1"/>
+          </p:nvPr>
+        </p:nvSpPr>
+        <p:spPr>
+          <a:xfrm>
+            <a:off x="381000" y="1600200"/>
+            <a:ext cx="7924800" cy="3886200"/>
+          </a:xfrm>
+        </p:spPr>
+        <p:txBody>
+          <a:bodyPr/>
+          <a:lstStyle/>
+          <a:p>
+            <a:pPr lvl="1" eaLnBrk="1" hangingPunct="1">
+              <a:buClr>
+                <a:srgbClr val="CC0000"/>
+              </a:buClr>
+              <a:buFont typeface="Wingdings" charset="2"/>
+              <a:buChar char="§"/>
+              <a:defRPr/>
+            </a:pPr>
+            <a:r>
+              <a:rPr lang="en-US" altLang="en-US" dirty="0"/>
+              <a:t>S</a:t>
+            </a:r>
+            <a:r>
+              <a:rPr lang="en-US" altLang="zh-CN" dirty="0"/>
+              <a:t>trategy:</a:t>
+            </a:r>
+            <a:r>
+              <a:rPr lang="zh-CN" altLang="en-US" dirty="0"/>
+              <a:t> </a:t>
+            </a:r>
+            <a:r>
+              <a:rPr lang="en-US" altLang="zh-CN" dirty="0">
+                <a:solidFill>
+                  <a:srgbClr val="FF0000"/>
+                </a:solidFill>
+              </a:rPr>
+              <a:t>Day Trading</a:t>
+            </a:r>
+          </a:p>
+          <a:p>
+            <a:pPr lvl="1" eaLnBrk="1" hangingPunct="1">
+              <a:buClr>
+                <a:srgbClr val="CC0000"/>
+              </a:buClr>
+              <a:buFont typeface="Wingdings" charset="2"/>
+              <a:buChar char="§"/>
+              <a:defRPr/>
+            </a:pPr>
+            <a:endParaRPr lang="en-US" altLang="zh-CN" dirty="0">
+              <a:solidFill>
+                <a:srgbClr val="FF0000"/>
+              </a:solidFill>
+            </a:endParaRPr>
+          </a:p>
+          <a:p>
+            <a:pPr lvl="1" eaLnBrk="1" hangingPunct="1">
+              <a:buClr>
+                <a:srgbClr val="CC0000"/>
+              </a:buClr>
+              <a:buFont typeface="Wingdings" charset="2"/>
+              <a:buChar char="§"/>
+              <a:defRPr/>
+            </a:pPr>
+            <a:endParaRPr lang="en-US" altLang="zh-CN" dirty="0">
+              <a:solidFill>
+                <a:srgbClr val="FF0000"/>
+              </a:solidFill>
+            </a:endParaRPr>
+          </a:p>
+          <a:p>
+            <a:pPr lvl="1" eaLnBrk="1" hangingPunct="1">
+              <a:buClr>
+                <a:srgbClr val="CC0000"/>
+              </a:buClr>
+              <a:buFont typeface="Wingdings" charset="2"/>
+              <a:buChar char="§"/>
+              <a:defRPr/>
+            </a:pPr>
+            <a:endParaRPr lang="en-US" altLang="zh-CN" dirty="0">
+              <a:solidFill>
+                <a:srgbClr val="FF0000"/>
+              </a:solidFill>
+            </a:endParaRPr>
+          </a:p>
+          <a:p>
+            <a:pPr lvl="1" eaLnBrk="1" hangingPunct="1">
+              <a:buClr>
+                <a:srgbClr val="CC0000"/>
+              </a:buClr>
+              <a:buFont typeface="Wingdings" charset="2"/>
+              <a:buChar char="§"/>
+              <a:defRPr/>
+            </a:pPr>
+            <a:endParaRPr lang="en-US" altLang="zh-CN" dirty="0">
+              <a:solidFill>
+                <a:srgbClr val="FF0000"/>
+              </a:solidFill>
+            </a:endParaRPr>
+          </a:p>
+          <a:p>
+            <a:pPr lvl="1" eaLnBrk="1" hangingPunct="1">
+              <a:buClr>
+                <a:srgbClr val="CC0000"/>
+              </a:buClr>
+              <a:buFont typeface="Wingdings" charset="2"/>
+              <a:buChar char="§"/>
+              <a:defRPr/>
+            </a:pPr>
+            <a:endParaRPr lang="en-US" altLang="zh-CN" dirty="0">
+              <a:solidFill>
+                <a:srgbClr val="FF0000"/>
+              </a:solidFill>
+            </a:endParaRPr>
+          </a:p>
+          <a:p>
+            <a:pPr lvl="1" eaLnBrk="1" hangingPunct="1">
+              <a:buClr>
+                <a:srgbClr val="CC0000"/>
+              </a:buClr>
+              <a:buFont typeface="Wingdings" charset="2"/>
+              <a:buChar char="§"/>
+              <a:defRPr/>
+            </a:pPr>
+            <a:r>
+              <a:rPr lang="en-US" altLang="zh-CN" dirty="0"/>
+              <a:t>Model</a:t>
+            </a:r>
+          </a:p>
+          <a:p>
+            <a:pPr marL="457200" lvl="1" indent="0" eaLnBrk="1" hangingPunct="1">
+              <a:buClr>
+                <a:srgbClr val="CC0000"/>
+              </a:buClr>
+              <a:buNone/>
+              <a:defRPr/>
+            </a:pPr>
+            <a:endParaRPr lang="en-US" altLang="en-US" dirty="0">
+              <a:solidFill>
+                <a:srgbClr val="FF0000"/>
+              </a:solidFill>
+            </a:endParaRPr>
+          </a:p>
+          <a:p>
+            <a:pPr marL="457200" lvl="1" indent="0" eaLnBrk="1" hangingPunct="1">
+              <a:buClr>
+                <a:srgbClr val="CC0000"/>
+              </a:buClr>
+              <a:buNone/>
+              <a:defRPr/>
+            </a:pPr>
+            <a:endParaRPr lang="en-US" altLang="en-US" dirty="0">
+              <a:solidFill>
+                <a:srgbClr val="FF0000"/>
+              </a:solidFill>
+            </a:endParaRPr>
+          </a:p>
+          <a:p>
+            <a:pPr marL="457200" lvl="1" indent="0" eaLnBrk="1" hangingPunct="1">
+              <a:buClr>
+                <a:srgbClr val="CC0000"/>
+              </a:buClr>
+              <a:buNone/>
+              <a:defRPr/>
+            </a:pPr>
+            <a:endParaRPr lang="en-US" altLang="en-US" dirty="0">
+              <a:solidFill>
+                <a:srgbClr val="FF0000"/>
+              </a:solidFill>
+            </a:endParaRPr>
+          </a:p>
+          <a:p>
+            <a:pPr marL="457200" lvl="1" indent="0" eaLnBrk="1" hangingPunct="1">
+              <a:buClr>
+                <a:srgbClr val="CC0000"/>
+              </a:buClr>
+              <a:buNone/>
+              <a:defRPr/>
+            </a:pPr>
+            <a:endParaRPr lang="en-US" altLang="en-US" dirty="0">
+              <a:solidFill>
+                <a:srgbClr val="FF0000"/>
+              </a:solidFill>
+            </a:endParaRPr>
+          </a:p>
+          <a:p>
+            <a:pPr marL="457200" lvl="1" indent="0" eaLnBrk="1" hangingPunct="1">
+              <a:buClr>
+                <a:srgbClr val="CC0000"/>
+              </a:buClr>
+              <a:buNone/>
+              <a:defRPr/>
+            </a:pPr>
+            <a:endParaRPr lang="en-US" altLang="en-US" dirty="0">
+              <a:solidFill>
+                <a:srgbClr val="FF0000"/>
+              </a:solidFill>
+            </a:endParaRPr>
+          </a:p>
+          <a:p>
+            <a:pPr marL="457200" lvl="1" indent="0" eaLnBrk="1" hangingPunct="1">
+              <a:buClr>
+                <a:srgbClr val="CC0000"/>
+              </a:buClr>
+              <a:buNone/>
+              <a:defRPr/>
+            </a:pPr>
+            <a:endParaRPr lang="en-US" altLang="en-US" dirty="0">
+              <a:solidFill>
+                <a:srgbClr val="FF0000"/>
+              </a:solidFill>
+            </a:endParaRPr>
+          </a:p>
+        </p:txBody>
+      </p:sp>
+      <p:sp>
+        <p:nvSpPr>
           <p:cNvPr id="5127" name="Rectangle 7">
             <a:extLst>
               <a:ext uri="{FF2B5EF4-FFF2-40B4-BE49-F238E27FC236}">
-                <a16:creationId xmlns:a16="http://schemas.microsoft.com/office/drawing/2014/main" id="{90DDA61B-588F-431E-EA22-459D1FA3DBB9}"/>
+                <a16:creationId xmlns:a16="http://schemas.microsoft.com/office/drawing/2014/main" id="{56B11969-B3AC-2A0E-14F2-3EFBE054B691}"/>
               </a:ext>
             </a:extLst>
           </p:cNvPr>
@@ -7246,12 +7510,583 @@
           </a:p>
         </p:txBody>
       </p:sp>
-      <p:sp>
-        <p:nvSpPr>
-          <p:cNvPr id="2" name="TextBox 1">
-            <a:extLst>
-              <a:ext uri="{FF2B5EF4-FFF2-40B4-BE49-F238E27FC236}">
-                <a16:creationId xmlns:a16="http://schemas.microsoft.com/office/drawing/2014/main" id="{8CE932EE-9F6A-8EBA-1804-C22DFBC22F48}"/>
+      <p:grpSp>
+        <p:nvGrpSpPr>
+          <p:cNvPr id="17" name="组合 16">
+            <a:extLst>
+              <a:ext uri="{FF2B5EF4-FFF2-40B4-BE49-F238E27FC236}">
+                <a16:creationId xmlns:a16="http://schemas.microsoft.com/office/drawing/2014/main" id="{9A978A10-577D-ABBC-DB78-47EAB15D981F}"/>
+              </a:ext>
+            </a:extLst>
+          </p:cNvPr>
+          <p:cNvGrpSpPr/>
+          <p:nvPr/>
+        </p:nvGrpSpPr>
+        <p:grpSpPr>
+          <a:xfrm>
+            <a:off x="1195903" y="2119679"/>
+            <a:ext cx="2724629" cy="1247041"/>
+            <a:chOff x="609600" y="2639159"/>
+            <a:chExt cx="3429000" cy="1569426"/>
+          </a:xfrm>
+        </p:grpSpPr>
+        <p:sp>
+          <p:nvSpPr>
+            <p:cNvPr id="7" name="圆角矩形 6">
+              <a:extLst>
+                <a:ext uri="{FF2B5EF4-FFF2-40B4-BE49-F238E27FC236}">
+                  <a16:creationId xmlns:a16="http://schemas.microsoft.com/office/drawing/2014/main" id="{4B7E0C03-E3A6-A1BD-2398-68FE581A2965}"/>
+                </a:ext>
+              </a:extLst>
+            </p:cNvPr>
+            <p:cNvSpPr/>
+            <p:nvPr/>
+          </p:nvSpPr>
+          <p:spPr bwMode="auto">
+            <a:xfrm>
+              <a:off x="609600" y="3751385"/>
+              <a:ext cx="1447800" cy="457200"/>
+            </a:xfrm>
+            <a:prstGeom prst="roundRect">
+              <a:avLst/>
+            </a:prstGeom>
+            <a:solidFill>
+              <a:srgbClr val="FFC000"/>
+            </a:solidFill>
+            <a:ln w="9525" cap="flat" cmpd="sng" algn="ctr">
+              <a:noFill/>
+              <a:prstDash val="solid"/>
+              <a:round/>
+              <a:headEnd type="none" w="med" len="med"/>
+              <a:tailEnd type="none" w="med" len="med"/>
+            </a:ln>
+            <a:effectLst/>
+          </p:spPr>
+          <p:txBody>
+            <a:bodyPr vert="horz" wrap="square" lIns="91440" tIns="45720" rIns="91440" bIns="45720" numCol="1" rtlCol="0" anchor="ctr" anchorCtr="0" compatLnSpc="1">
+              <a:prstTxWarp prst="textNoShape">
+                <a:avLst/>
+              </a:prstTxWarp>
+            </a:bodyPr>
+            <a:lstStyle/>
+            <a:p>
+              <a:pPr marL="0" marR="0" indent="0" algn="ctr" defTabSz="914400" rtl="0" eaLnBrk="0" fontAlgn="base" latinLnBrk="0" hangingPunct="0">
+                <a:lnSpc>
+                  <a:spcPct val="100000"/>
+                </a:lnSpc>
+                <a:spcBef>
+                  <a:spcPct val="0"/>
+                </a:spcBef>
+                <a:spcAft>
+                  <a:spcPct val="0"/>
+                </a:spcAft>
+                <a:buClrTx/>
+                <a:buSzTx/>
+                <a:buFontTx/>
+                <a:buNone/>
+                <a:tabLst/>
+              </a:pPr>
+              <a:r>
+                <a:rPr kumimoji="0" lang="en-US" altLang="zh-CN" sz="1400" b="0" i="0" u="none" strike="noStrike" cap="none" normalizeH="0" baseline="0" dirty="0">
+                  <a:solidFill>
+                    <a:schemeClr val="tx1"/>
+                  </a:solidFill>
+                  <a:effectLst/>
+                  <a:latin typeface="Arial" charset="0"/>
+                  <a:ea typeface="Osaka" charset="0"/>
+                </a:rPr>
+                <a:t>Open</a:t>
+              </a:r>
+              <a:r>
+                <a:rPr kumimoji="0" lang="zh-CN" altLang="en-US" sz="1400" b="0" i="0" u="none" strike="noStrike" cap="none" normalizeH="0" baseline="0" dirty="0">
+                  <a:solidFill>
+                    <a:schemeClr val="tx1"/>
+                  </a:solidFill>
+                  <a:effectLst/>
+                  <a:latin typeface="Arial" charset="0"/>
+                  <a:ea typeface="Osaka" charset="0"/>
+                </a:rPr>
+                <a:t> </a:t>
+              </a:r>
+              <a:r>
+                <a:rPr kumimoji="0" lang="en-US" altLang="zh-CN" sz="1400" b="0" i="0" u="none" strike="noStrike" cap="none" normalizeH="0" baseline="0" dirty="0">
+                  <a:solidFill>
+                    <a:schemeClr val="tx1"/>
+                  </a:solidFill>
+                  <a:effectLst/>
+                  <a:latin typeface="Arial" charset="0"/>
+                  <a:ea typeface="Osaka" charset="0"/>
+                </a:rPr>
+                <a:t>Price</a:t>
+              </a:r>
+              <a:endParaRPr kumimoji="0" lang="zh-CN" altLang="en-US" sz="1400" b="0" i="0" u="none" strike="noStrike" cap="none" normalizeH="0" baseline="0" dirty="0">
+                <a:solidFill>
+                  <a:schemeClr val="tx1"/>
+                </a:solidFill>
+                <a:effectLst/>
+                <a:latin typeface="Arial" charset="0"/>
+                <a:ea typeface="Osaka" charset="0"/>
+              </a:endParaRPr>
+            </a:p>
+          </p:txBody>
+        </p:sp>
+        <p:sp>
+          <p:nvSpPr>
+            <p:cNvPr id="8" name="圆角矩形 7">
+              <a:extLst>
+                <a:ext uri="{FF2B5EF4-FFF2-40B4-BE49-F238E27FC236}">
+                  <a16:creationId xmlns:a16="http://schemas.microsoft.com/office/drawing/2014/main" id="{D90B8987-E9CE-783F-2ECC-DC05EBEA3B5A}"/>
+                </a:ext>
+              </a:extLst>
+            </p:cNvPr>
+            <p:cNvSpPr/>
+            <p:nvPr/>
+          </p:nvSpPr>
+          <p:spPr bwMode="auto">
+            <a:xfrm>
+              <a:off x="2590800" y="3751385"/>
+              <a:ext cx="1447800" cy="457200"/>
+            </a:xfrm>
+            <a:prstGeom prst="roundRect">
+              <a:avLst/>
+            </a:prstGeom>
+            <a:solidFill>
+              <a:srgbClr val="92D050"/>
+            </a:solidFill>
+            <a:ln w="9525" cap="flat" cmpd="sng" algn="ctr">
+              <a:noFill/>
+              <a:prstDash val="solid"/>
+              <a:round/>
+              <a:headEnd type="none" w="med" len="med"/>
+              <a:tailEnd type="none" w="med" len="med"/>
+            </a:ln>
+            <a:effectLst/>
+          </p:spPr>
+          <p:txBody>
+            <a:bodyPr vert="horz" wrap="square" lIns="91440" tIns="45720" rIns="91440" bIns="45720" numCol="1" rtlCol="0" anchor="ctr" anchorCtr="0" compatLnSpc="1">
+              <a:prstTxWarp prst="textNoShape">
+                <a:avLst/>
+              </a:prstTxWarp>
+            </a:bodyPr>
+            <a:lstStyle/>
+            <a:p>
+              <a:pPr marL="0" marR="0" indent="0" algn="ctr" defTabSz="914400" rtl="0" eaLnBrk="0" fontAlgn="base" latinLnBrk="0" hangingPunct="0">
+                <a:lnSpc>
+                  <a:spcPct val="100000"/>
+                </a:lnSpc>
+                <a:spcBef>
+                  <a:spcPct val="0"/>
+                </a:spcBef>
+                <a:spcAft>
+                  <a:spcPct val="0"/>
+                </a:spcAft>
+                <a:buClrTx/>
+                <a:buSzTx/>
+                <a:buFontTx/>
+                <a:buNone/>
+                <a:tabLst/>
+              </a:pPr>
+              <a:r>
+                <a:rPr kumimoji="0" lang="en-US" altLang="zh-CN" sz="1400" b="0" i="0" u="none" strike="noStrike" cap="none" normalizeH="0" baseline="0" dirty="0">
+                  <a:solidFill>
+                    <a:schemeClr val="tx1"/>
+                  </a:solidFill>
+                  <a:effectLst/>
+                  <a:latin typeface="Arial" charset="0"/>
+                  <a:ea typeface="Osaka" charset="0"/>
+                </a:rPr>
+                <a:t>Close</a:t>
+              </a:r>
+              <a:r>
+                <a:rPr kumimoji="0" lang="zh-CN" altLang="en-US" sz="1400" b="0" i="0" u="none" strike="noStrike" cap="none" normalizeH="0" baseline="0" dirty="0">
+                  <a:solidFill>
+                    <a:schemeClr val="tx1"/>
+                  </a:solidFill>
+                  <a:effectLst/>
+                  <a:latin typeface="Arial" charset="0"/>
+                  <a:ea typeface="Osaka" charset="0"/>
+                </a:rPr>
+                <a:t> </a:t>
+              </a:r>
+              <a:r>
+                <a:rPr kumimoji="0" lang="en-US" altLang="zh-CN" sz="1400" b="0" i="0" u="none" strike="noStrike" cap="none" normalizeH="0" baseline="0" dirty="0">
+                  <a:solidFill>
+                    <a:schemeClr val="tx1"/>
+                  </a:solidFill>
+                  <a:effectLst/>
+                  <a:latin typeface="Arial" charset="0"/>
+                  <a:ea typeface="Osaka" charset="0"/>
+                </a:rPr>
+                <a:t>Price</a:t>
+              </a:r>
+              <a:endParaRPr kumimoji="0" lang="zh-CN" altLang="en-US" sz="1400" b="0" i="0" u="none" strike="noStrike" cap="none" normalizeH="0" baseline="0" dirty="0">
+                <a:solidFill>
+                  <a:schemeClr val="tx1"/>
+                </a:solidFill>
+                <a:effectLst/>
+                <a:latin typeface="Arial" charset="0"/>
+                <a:ea typeface="Osaka" charset="0"/>
+              </a:endParaRPr>
+            </a:p>
+          </p:txBody>
+        </p:sp>
+        <p:sp>
+          <p:nvSpPr>
+            <p:cNvPr id="9" name="矩形 8">
+              <a:extLst>
+                <a:ext uri="{FF2B5EF4-FFF2-40B4-BE49-F238E27FC236}">
+                  <a16:creationId xmlns:a16="http://schemas.microsoft.com/office/drawing/2014/main" id="{8541411D-E61B-CA60-B3A9-C61284AD7469}"/>
+                </a:ext>
+              </a:extLst>
+            </p:cNvPr>
+            <p:cNvSpPr/>
+            <p:nvPr/>
+          </p:nvSpPr>
+          <p:spPr bwMode="auto">
+            <a:xfrm>
+              <a:off x="2171700" y="3950678"/>
+              <a:ext cx="304800" cy="58615"/>
+            </a:xfrm>
+            <a:prstGeom prst="rect">
+              <a:avLst/>
+            </a:prstGeom>
+            <a:solidFill>
+              <a:schemeClr val="accent1"/>
+            </a:solidFill>
+            <a:ln w="9525" cap="flat" cmpd="sng" algn="ctr">
+              <a:solidFill>
+                <a:schemeClr val="tx1"/>
+              </a:solidFill>
+              <a:prstDash val="solid"/>
+              <a:round/>
+              <a:headEnd type="none" w="med" len="med"/>
+              <a:tailEnd type="none" w="med" len="med"/>
+            </a:ln>
+            <a:effectLst/>
+            <a:extLst>
+              <a:ext uri="{AF507438-7753-43E0-B8FC-AC1667EBCBE1}">
+                <a14:hiddenEffects xmlns:a14="http://schemas.microsoft.com/office/drawing/2010/main">
+                  <a:effectLst>
+                    <a:outerShdw blurRad="63500" dist="38099" dir="2700000" algn="ctr" rotWithShape="0">
+                      <a:schemeClr val="bg2">
+                        <a:alpha val="74998"/>
+                      </a:schemeClr>
+                    </a:outerShdw>
+                  </a:effectLst>
+                </a14:hiddenEffects>
+              </a:ext>
+            </a:extLst>
+          </p:spPr>
+          <p:txBody>
+            <a:bodyPr vert="horz" wrap="square" lIns="91440" tIns="45720" rIns="91440" bIns="45720" numCol="1" rtlCol="0" anchor="t" anchorCtr="0" compatLnSpc="1">
+              <a:prstTxWarp prst="textNoShape">
+                <a:avLst/>
+              </a:prstTxWarp>
+            </a:bodyPr>
+            <a:lstStyle/>
+            <a:p>
+              <a:pPr marL="0" marR="0" indent="0" algn="l" defTabSz="914400" rtl="0" eaLnBrk="0" fontAlgn="base" latinLnBrk="0" hangingPunct="0">
+                <a:lnSpc>
+                  <a:spcPct val="100000"/>
+                </a:lnSpc>
+                <a:spcBef>
+                  <a:spcPct val="0"/>
+                </a:spcBef>
+                <a:spcAft>
+                  <a:spcPct val="0"/>
+                </a:spcAft>
+                <a:buClrTx/>
+                <a:buSzTx/>
+                <a:buFontTx/>
+                <a:buNone/>
+                <a:tabLst/>
+              </a:pPr>
+              <a:endParaRPr kumimoji="0" lang="zh-CN" altLang="en-US" sz="2400" b="0" i="0" u="none" strike="noStrike" cap="none" normalizeH="0" baseline="0">
+                <a:solidFill>
+                  <a:schemeClr val="tx1"/>
+                </a:solidFill>
+                <a:effectLst/>
+                <a:latin typeface="Arial" charset="0"/>
+                <a:ea typeface="Osaka" charset="0"/>
+              </a:endParaRPr>
+            </a:p>
+          </p:txBody>
+        </p:sp>
+        <p:pic>
+          <p:nvPicPr>
+            <p:cNvPr id="13" name="图形 12" descr="钱 纯色填充">
+              <a:extLst>
+                <a:ext uri="{FF2B5EF4-FFF2-40B4-BE49-F238E27FC236}">
+                  <a16:creationId xmlns:a16="http://schemas.microsoft.com/office/drawing/2014/main" id="{F3F150D4-C3CC-26EE-2A85-778F71D6956D}"/>
+                </a:ext>
+              </a:extLst>
+            </p:cNvPr>
+            <p:cNvPicPr>
+              <a:picLocks noChangeAspect="1"/>
+            </p:cNvPicPr>
+            <p:nvPr/>
+          </p:nvPicPr>
+          <p:blipFill>
+            <a:blip r:embed="rId3">
+              <a:extLst>
+                <a:ext uri="{96DAC541-7B7A-43D3-8B79-37D633B846F1}">
+                  <asvg:svgBlip xmlns:asvg="http://schemas.microsoft.com/office/drawing/2016/SVG/main" r:embed="rId4"/>
+                </a:ext>
+              </a:extLst>
+            </a:blip>
+            <a:stretch>
+              <a:fillRect/>
+            </a:stretch>
+          </p:blipFill>
+          <p:spPr>
+            <a:xfrm>
+              <a:off x="971550" y="2642089"/>
+              <a:ext cx="723900" cy="723900"/>
+            </a:xfrm>
+            <a:prstGeom prst="rect">
+              <a:avLst/>
+            </a:prstGeom>
+          </p:spPr>
+        </p:pic>
+        <p:sp>
+          <p:nvSpPr>
+            <p:cNvPr id="14" name="下箭头 13">
+              <a:extLst>
+                <a:ext uri="{FF2B5EF4-FFF2-40B4-BE49-F238E27FC236}">
+                  <a16:creationId xmlns:a16="http://schemas.microsoft.com/office/drawing/2014/main" id="{0BAF0061-1717-A465-6D84-931211B3DA48}"/>
+                </a:ext>
+              </a:extLst>
+            </p:cNvPr>
+            <p:cNvSpPr/>
+            <p:nvPr/>
+          </p:nvSpPr>
+          <p:spPr bwMode="auto">
+            <a:xfrm>
+              <a:off x="1238250" y="3365989"/>
+              <a:ext cx="190500" cy="322385"/>
+            </a:xfrm>
+            <a:prstGeom prst="downArrow">
+              <a:avLst/>
+            </a:prstGeom>
+            <a:solidFill>
+              <a:schemeClr val="accent1"/>
+            </a:solidFill>
+            <a:ln w="9525" cap="flat" cmpd="sng" algn="ctr">
+              <a:noFill/>
+              <a:prstDash val="solid"/>
+              <a:round/>
+              <a:headEnd type="none" w="med" len="med"/>
+              <a:tailEnd type="none" w="med" len="med"/>
+            </a:ln>
+            <a:effectLst/>
+            <a:extLst>
+              <a:ext uri="{AF507438-7753-43E0-B8FC-AC1667EBCBE1}">
+                <a14:hiddenEffects xmlns:a14="http://schemas.microsoft.com/office/drawing/2010/main">
+                  <a:effectLst>
+                    <a:outerShdw blurRad="63500" dist="38099" dir="2700000" algn="ctr" rotWithShape="0">
+                      <a:schemeClr val="bg2">
+                        <a:alpha val="74998"/>
+                      </a:schemeClr>
+                    </a:outerShdw>
+                  </a:effectLst>
+                </a14:hiddenEffects>
+              </a:ext>
+            </a:extLst>
+          </p:spPr>
+          <p:txBody>
+            <a:bodyPr vert="horz" wrap="square" lIns="91440" tIns="45720" rIns="91440" bIns="45720" numCol="1" rtlCol="0" anchor="t" anchorCtr="0" compatLnSpc="1">
+              <a:prstTxWarp prst="textNoShape">
+                <a:avLst/>
+              </a:prstTxWarp>
+            </a:bodyPr>
+            <a:lstStyle/>
+            <a:p>
+              <a:pPr marL="0" marR="0" indent="0" algn="l" defTabSz="914400" rtl="0" eaLnBrk="0" fontAlgn="base" latinLnBrk="0" hangingPunct="0">
+                <a:lnSpc>
+                  <a:spcPct val="100000"/>
+                </a:lnSpc>
+                <a:spcBef>
+                  <a:spcPct val="0"/>
+                </a:spcBef>
+                <a:spcAft>
+                  <a:spcPct val="0"/>
+                </a:spcAft>
+                <a:buClrTx/>
+                <a:buSzTx/>
+                <a:buFontTx/>
+                <a:buNone/>
+                <a:tabLst/>
+              </a:pPr>
+              <a:endParaRPr kumimoji="0" lang="zh-CN" altLang="en-US" sz="2400" b="0" i="0" u="none" strike="noStrike" cap="none" normalizeH="0" baseline="0">
+                <a:solidFill>
+                  <a:schemeClr val="tx1"/>
+                </a:solidFill>
+                <a:effectLst/>
+                <a:latin typeface="Arial" charset="0"/>
+                <a:ea typeface="Osaka" charset="0"/>
+              </a:endParaRPr>
+            </a:p>
+          </p:txBody>
+        </p:sp>
+        <p:pic>
+          <p:nvPicPr>
+            <p:cNvPr id="15" name="图形 14" descr="钱 纯色填充">
+              <a:extLst>
+                <a:ext uri="{FF2B5EF4-FFF2-40B4-BE49-F238E27FC236}">
+                  <a16:creationId xmlns:a16="http://schemas.microsoft.com/office/drawing/2014/main" id="{5CD033EC-4A6B-F46D-FE0E-240604E6D319}"/>
+                </a:ext>
+              </a:extLst>
+            </p:cNvPr>
+            <p:cNvPicPr>
+              <a:picLocks noChangeAspect="1"/>
+            </p:cNvPicPr>
+            <p:nvPr/>
+          </p:nvPicPr>
+          <p:blipFill>
+            <a:blip r:embed="rId3">
+              <a:extLst>
+                <a:ext uri="{96DAC541-7B7A-43D3-8B79-37D633B846F1}">
+                  <asvg:svgBlip xmlns:asvg="http://schemas.microsoft.com/office/drawing/2016/SVG/main" r:embed="rId4"/>
+                </a:ext>
+              </a:extLst>
+            </a:blip>
+            <a:stretch>
+              <a:fillRect/>
+            </a:stretch>
+          </p:blipFill>
+          <p:spPr>
+            <a:xfrm>
+              <a:off x="2952750" y="2639159"/>
+              <a:ext cx="723900" cy="723900"/>
+            </a:xfrm>
+            <a:prstGeom prst="rect">
+              <a:avLst/>
+            </a:prstGeom>
+          </p:spPr>
+        </p:pic>
+        <p:sp>
+          <p:nvSpPr>
+            <p:cNvPr id="16" name="下箭头 15">
+              <a:extLst>
+                <a:ext uri="{FF2B5EF4-FFF2-40B4-BE49-F238E27FC236}">
+                  <a16:creationId xmlns:a16="http://schemas.microsoft.com/office/drawing/2014/main" id="{B5097343-198C-91C7-C26C-676DAEB8FC5A}"/>
+                </a:ext>
+              </a:extLst>
+            </p:cNvPr>
+            <p:cNvSpPr/>
+            <p:nvPr/>
+          </p:nvSpPr>
+          <p:spPr bwMode="auto">
+            <a:xfrm rot="10800000">
+              <a:off x="3219450" y="3365989"/>
+              <a:ext cx="190500" cy="322385"/>
+            </a:xfrm>
+            <a:prstGeom prst="downArrow">
+              <a:avLst/>
+            </a:prstGeom>
+            <a:solidFill>
+              <a:schemeClr val="accent1"/>
+            </a:solidFill>
+            <a:ln w="9525" cap="flat" cmpd="sng" algn="ctr">
+              <a:noFill/>
+              <a:prstDash val="solid"/>
+              <a:round/>
+              <a:headEnd type="none" w="med" len="med"/>
+              <a:tailEnd type="none" w="med" len="med"/>
+            </a:ln>
+            <a:effectLst/>
+            <a:extLst>
+              <a:ext uri="{AF507438-7753-43E0-B8FC-AC1667EBCBE1}">
+                <a14:hiddenEffects xmlns:a14="http://schemas.microsoft.com/office/drawing/2010/main">
+                  <a:effectLst>
+                    <a:outerShdw blurRad="63500" dist="38099" dir="2700000" algn="ctr" rotWithShape="0">
+                      <a:schemeClr val="bg2">
+                        <a:alpha val="74998"/>
+                      </a:schemeClr>
+                    </a:outerShdw>
+                  </a:effectLst>
+                </a14:hiddenEffects>
+              </a:ext>
+            </a:extLst>
+          </p:spPr>
+          <p:txBody>
+            <a:bodyPr vert="horz" wrap="square" lIns="91440" tIns="45720" rIns="91440" bIns="45720" numCol="1" rtlCol="0" anchor="t" anchorCtr="0" compatLnSpc="1">
+              <a:prstTxWarp prst="textNoShape">
+                <a:avLst/>
+              </a:prstTxWarp>
+            </a:bodyPr>
+            <a:lstStyle/>
+            <a:p>
+              <a:pPr marL="0" marR="0" indent="0" algn="l" defTabSz="914400" rtl="0" eaLnBrk="0" fontAlgn="base" latinLnBrk="0" hangingPunct="0">
+                <a:lnSpc>
+                  <a:spcPct val="100000"/>
+                </a:lnSpc>
+                <a:spcBef>
+                  <a:spcPct val="0"/>
+                </a:spcBef>
+                <a:spcAft>
+                  <a:spcPct val="0"/>
+                </a:spcAft>
+                <a:buClrTx/>
+                <a:buSzTx/>
+                <a:buFontTx/>
+                <a:buNone/>
+                <a:tabLst/>
+              </a:pPr>
+              <a:endParaRPr kumimoji="0" lang="zh-CN" altLang="en-US" sz="2400" b="0" i="0" u="none" strike="noStrike" cap="none" normalizeH="0" baseline="0">
+                <a:solidFill>
+                  <a:schemeClr val="tx1"/>
+                </a:solidFill>
+                <a:effectLst/>
+                <a:latin typeface="Arial" charset="0"/>
+                <a:ea typeface="Osaka" charset="0"/>
+              </a:endParaRPr>
+            </a:p>
+          </p:txBody>
+        </p:sp>
+      </p:grpSp>
+      <p:pic>
+        <p:nvPicPr>
+          <p:cNvPr id="19" name="图形 18" descr="月历 轮廓">
+            <a:extLst>
+              <a:ext uri="{FF2B5EF4-FFF2-40B4-BE49-F238E27FC236}">
+                <a16:creationId xmlns:a16="http://schemas.microsoft.com/office/drawing/2014/main" id="{7DAD64CF-7400-8AC1-F14F-785D1E8FA1AA}"/>
+              </a:ext>
+            </a:extLst>
+          </p:cNvPr>
+          <p:cNvPicPr>
+            <a:picLocks noChangeAspect="1"/>
+          </p:cNvPicPr>
+          <p:nvPr/>
+        </p:nvPicPr>
+        <p:blipFill>
+          <a:blip r:embed="rId5">
+            <a:extLst>
+              <a:ext uri="{96DAC541-7B7A-43D3-8B79-37D633B846F1}">
+                <asvg:svgBlip xmlns:asvg="http://schemas.microsoft.com/office/drawing/2016/SVG/main" r:embed="rId6"/>
+              </a:ext>
+            </a:extLst>
+          </a:blip>
+          <a:stretch>
+            <a:fillRect/>
+          </a:stretch>
+        </p:blipFill>
+        <p:spPr>
+          <a:xfrm>
+            <a:off x="4735434" y="1987088"/>
+            <a:ext cx="1676400" cy="1676400"/>
+          </a:xfrm>
+          <a:prstGeom prst="rect">
+            <a:avLst/>
+          </a:prstGeom>
+        </p:spPr>
+      </p:pic>
+      <p:sp>
+        <p:nvSpPr>
+          <p:cNvPr id="20" name="文本框 19">
+            <a:extLst>
+              <a:ext uri="{FF2B5EF4-FFF2-40B4-BE49-F238E27FC236}">
+                <a16:creationId xmlns:a16="http://schemas.microsoft.com/office/drawing/2014/main" id="{9F35D856-559C-34C5-52BF-DC15DEA50638}"/>
               </a:ext>
             </a:extLst>
           </p:cNvPr>
@@ -7260,8 +8095,8 @@
         </p:nvSpPr>
         <p:spPr>
           <a:xfrm>
-            <a:off x="6400800" y="5633799"/>
-            <a:ext cx="2148345" cy="246221"/>
+            <a:off x="5326867" y="2209800"/>
+            <a:ext cx="540533" cy="246221"/>
           </a:xfrm>
           <a:prstGeom prst="rect">
             <a:avLst/>
@@ -7275,63 +8110,252 @@
           <a:lstStyle/>
           <a:p>
             <a:r>
-              <a:rPr lang="en-US" sz="1000" dirty="0"/>
-              <a:t>Image source: docs.astronomer.io</a:t>
-            </a:r>
-          </a:p>
-        </p:txBody>
-      </p:sp>
-      <p:pic>
-        <p:nvPicPr>
-          <p:cNvPr id="3" name="Picture 2" descr="Architecture">
-            <a:extLst>
-              <a:ext uri="{FF2B5EF4-FFF2-40B4-BE49-F238E27FC236}">
-                <a16:creationId xmlns:a16="http://schemas.microsoft.com/office/drawing/2014/main" id="{D49791D9-CCA0-152D-03B3-B455968C7ECE}"/>
-              </a:ext>
-            </a:extLst>
-          </p:cNvPr>
-          <p:cNvPicPr>
-            <a:picLocks noChangeAspect="1" noChangeArrowheads="1"/>
-          </p:cNvPicPr>
+              <a:rPr kumimoji="1" lang="en-US" altLang="zh-CN" sz="1000" dirty="0">
+                <a:solidFill>
+                  <a:srgbClr val="FF0000"/>
+                </a:solidFill>
+              </a:rPr>
+              <a:t>March</a:t>
+            </a:r>
+            <a:endParaRPr kumimoji="1" lang="zh-CN" altLang="en-US" sz="1000" dirty="0">
+              <a:solidFill>
+                <a:srgbClr val="FF0000"/>
+              </a:solidFill>
+            </a:endParaRPr>
+          </a:p>
+        </p:txBody>
+      </p:sp>
+      <mc:AlternateContent xmlns:mc="http://schemas.openxmlformats.org/markup-compatibility/2006">
+        <mc:Choice xmlns:p14="http://schemas.microsoft.com/office/powerpoint/2010/main" Requires="p14">
+          <p:contentPart p14:bwMode="auto" r:id="rId7">
+            <p14:nvContentPartPr>
+              <p14:cNvPr id="29" name="墨迹 28">
+                <a:extLst>
+                  <a:ext uri="{FF2B5EF4-FFF2-40B4-BE49-F238E27FC236}">
+                    <a16:creationId xmlns:a16="http://schemas.microsoft.com/office/drawing/2014/main" id="{B50CB86B-818D-549B-CDFC-F88ADB1A6B35}"/>
+                  </a:ext>
+                </a:extLst>
+              </p14:cNvPr>
+              <p14:cNvContentPartPr/>
+              <p14:nvPr/>
+            </p14:nvContentPartPr>
+            <p14:xfrm>
+              <a:off x="5393677" y="2615575"/>
+              <a:ext cx="7920" cy="82800"/>
+            </p14:xfrm>
+          </p:contentPart>
+        </mc:Choice>
+        <mc:Fallback>
+          <p:pic>
+            <p:nvPicPr>
+              <p:cNvPr id="29" name="墨迹 28">
+                <a:extLst>
+                  <a:ext uri="{FF2B5EF4-FFF2-40B4-BE49-F238E27FC236}">
+                    <a16:creationId xmlns:a16="http://schemas.microsoft.com/office/drawing/2014/main" id="{B50CB86B-818D-549B-CDFC-F88ADB1A6B35}"/>
+                  </a:ext>
+                </a:extLst>
+              </p:cNvPr>
+              <p:cNvPicPr/>
+              <p:nvPr/>
+            </p:nvPicPr>
+            <p:blipFill>
+              <a:blip r:embed="rId8"/>
+              <a:stretch>
+                <a:fillRect/>
+              </a:stretch>
+            </p:blipFill>
+            <p:spPr>
+              <a:xfrm>
+                <a:off x="5385037" y="2606575"/>
+                <a:ext cx="25560" cy="100440"/>
+              </a:xfrm>
+              <a:prstGeom prst="rect">
+                <a:avLst/>
+              </a:prstGeom>
+            </p:spPr>
+          </p:pic>
+        </mc:Fallback>
+      </mc:AlternateContent>
+      <p:grpSp>
+        <p:nvGrpSpPr>
+          <p:cNvPr id="32" name="组合 31">
+            <a:extLst>
+              <a:ext uri="{FF2B5EF4-FFF2-40B4-BE49-F238E27FC236}">
+                <a16:creationId xmlns:a16="http://schemas.microsoft.com/office/drawing/2014/main" id="{60B56214-D631-C565-B505-1093593D617C}"/>
+              </a:ext>
+            </a:extLst>
+          </p:cNvPr>
+          <p:cNvGrpSpPr/>
           <p:nvPr/>
-        </p:nvPicPr>
-        <p:blipFill>
-          <a:blip r:embed="rId3">
-            <a:extLst>
-              <a:ext uri="{28A0092B-C50C-407E-A947-70E740481C1C}">
-                <a14:useLocalDpi xmlns:a14="http://schemas.microsoft.com/office/drawing/2010/main" val="0"/>
-              </a:ext>
-            </a:extLst>
-          </a:blip>
-          <a:srcRect/>
-          <a:stretch>
-            <a:fillRect/>
-          </a:stretch>
-        </p:blipFill>
+        </p:nvGrpSpPr>
+        <p:grpSpPr>
+          <a:xfrm>
+            <a:off x="5541637" y="2614135"/>
+            <a:ext cx="255240" cy="101880"/>
+            <a:chOff x="5541637" y="2614135"/>
+            <a:chExt cx="255240" cy="101880"/>
+          </a:xfrm>
+        </p:grpSpPr>
+        <mc:AlternateContent xmlns:mc="http://schemas.openxmlformats.org/markup-compatibility/2006">
+          <mc:Choice xmlns:p14="http://schemas.microsoft.com/office/powerpoint/2010/main" Requires="p14">
+            <p:contentPart p14:bwMode="auto" r:id="rId9">
+              <p14:nvContentPartPr>
+                <p14:cNvPr id="30" name="墨迹 29">
+                  <a:extLst>
+                    <a:ext uri="{FF2B5EF4-FFF2-40B4-BE49-F238E27FC236}">
+                      <a16:creationId xmlns:a16="http://schemas.microsoft.com/office/drawing/2014/main" id="{352F9CDD-C9F5-318A-F4B4-7065595E9607}"/>
+                    </a:ext>
+                  </a:extLst>
+                </p14:cNvPr>
+                <p14:cNvContentPartPr/>
+                <p14:nvPr/>
+              </p14:nvContentPartPr>
+              <p14:xfrm>
+                <a:off x="5541637" y="2619535"/>
+                <a:ext cx="77760" cy="79560"/>
+              </p14:xfrm>
+            </p:contentPart>
+          </mc:Choice>
+          <mc:Fallback>
+            <p:pic>
+              <p:nvPicPr>
+                <p:cNvPr id="30" name="墨迹 29">
+                  <a:extLst>
+                    <a:ext uri="{FF2B5EF4-FFF2-40B4-BE49-F238E27FC236}">
+                      <a16:creationId xmlns:a16="http://schemas.microsoft.com/office/drawing/2014/main" id="{352F9CDD-C9F5-318A-F4B4-7065595E9607}"/>
+                    </a:ext>
+                  </a:extLst>
+                </p:cNvPr>
+                <p:cNvPicPr/>
+                <p:nvPr/>
+              </p:nvPicPr>
+              <p:blipFill>
+                <a:blip r:embed="rId10"/>
+                <a:stretch>
+                  <a:fillRect/>
+                </a:stretch>
+              </p:blipFill>
+              <p:spPr>
+                <a:xfrm>
+                  <a:off x="5532637" y="2610535"/>
+                  <a:ext cx="95400" cy="97200"/>
+                </a:xfrm>
+                <a:prstGeom prst="rect">
+                  <a:avLst/>
+                </a:prstGeom>
+              </p:spPr>
+            </p:pic>
+          </mc:Fallback>
+        </mc:AlternateContent>
+        <mc:AlternateContent xmlns:mc="http://schemas.openxmlformats.org/markup-compatibility/2006">
+          <mc:Choice xmlns:p14="http://schemas.microsoft.com/office/powerpoint/2010/main" Requires="p14">
+            <p:contentPart p14:bwMode="auto" r:id="rId11">
+              <p14:nvContentPartPr>
+                <p14:cNvPr id="31" name="墨迹 30">
+                  <a:extLst>
+                    <a:ext uri="{FF2B5EF4-FFF2-40B4-BE49-F238E27FC236}">
+                      <a16:creationId xmlns:a16="http://schemas.microsoft.com/office/drawing/2014/main" id="{EA43DCFF-18F0-0A48-A344-B1C28674A577}"/>
+                    </a:ext>
+                  </a:extLst>
+                </p14:cNvPr>
+                <p14:cNvContentPartPr/>
+                <p14:nvPr/>
+              </p14:nvContentPartPr>
+              <p14:xfrm>
+                <a:off x="5723797" y="2614135"/>
+                <a:ext cx="73080" cy="101880"/>
+              </p14:xfrm>
+            </p:contentPart>
+          </mc:Choice>
+          <mc:Fallback>
+            <p:pic>
+              <p:nvPicPr>
+                <p:cNvPr id="31" name="墨迹 30">
+                  <a:extLst>
+                    <a:ext uri="{FF2B5EF4-FFF2-40B4-BE49-F238E27FC236}">
+                      <a16:creationId xmlns:a16="http://schemas.microsoft.com/office/drawing/2014/main" id="{EA43DCFF-18F0-0A48-A344-B1C28674A577}"/>
+                    </a:ext>
+                  </a:extLst>
+                </p:cNvPr>
+                <p:cNvPicPr/>
+                <p:nvPr/>
+              </p:nvPicPr>
+              <p:blipFill>
+                <a:blip r:embed="rId12"/>
+                <a:stretch>
+                  <a:fillRect/>
+                </a:stretch>
+              </p:blipFill>
+              <p:spPr>
+                <a:xfrm>
+                  <a:off x="5715157" y="2605135"/>
+                  <a:ext cx="90720" cy="119520"/>
+                </a:xfrm>
+                <a:prstGeom prst="rect">
+                  <a:avLst/>
+                </a:prstGeom>
+              </p:spPr>
+            </p:pic>
+          </mc:Fallback>
+        </mc:AlternateContent>
+      </p:grpSp>
+      <p:cxnSp>
+        <p:nvCxnSpPr>
+          <p:cNvPr id="42" name="曲线连接符 41">
+            <a:extLst>
+              <a:ext uri="{FF2B5EF4-FFF2-40B4-BE49-F238E27FC236}">
+                <a16:creationId xmlns:a16="http://schemas.microsoft.com/office/drawing/2014/main" id="{598757C0-DEAD-7362-3DF1-034F8769C6F5}"/>
+              </a:ext>
+            </a:extLst>
+          </p:cNvPr>
+          <p:cNvCxnSpPr>
+            <a:stCxn id="40" idx="1"/>
+          </p:cNvCxnSpPr>
+          <p:nvPr/>
+        </p:nvCxnSpPr>
         <p:spPr bwMode="auto">
-          <a:xfrm>
-            <a:off x="1371600" y="1447760"/>
-            <a:ext cx="6400800" cy="4186079"/>
+          <a:xfrm rot="16200000" flipH="1" flipV="1">
+            <a:off x="4527380" y="1996874"/>
+            <a:ext cx="210163" cy="1352825"/>
           </a:xfrm>
-          <a:prstGeom prst="rect">
-            <a:avLst/>
+          <a:prstGeom prst="curvedConnector4">
+            <a:avLst>
+              <a:gd name="adj1" fmla="val -108773"/>
+              <a:gd name="adj2" fmla="val 51420"/>
+            </a:avLst>
           </a:prstGeom>
-          <a:noFill/>
+          <a:solidFill>
+            <a:schemeClr val="accent1"/>
+          </a:solidFill>
+          <a:ln w="19050" cap="flat" cmpd="sng" algn="ctr">
+            <a:solidFill>
+              <a:schemeClr val="tx1"/>
+            </a:solidFill>
+            <a:prstDash val="solid"/>
+            <a:round/>
+            <a:headEnd type="none" w="med" len="med"/>
+            <a:tailEnd type="triangle"/>
+          </a:ln>
+          <a:effectLst/>
           <a:extLst>
-            <a:ext uri="{909E8E84-426E-40DD-AFC4-6F175D3DCCD1}">
-              <a14:hiddenFill xmlns:a14="http://schemas.microsoft.com/office/drawing/2010/main">
-                <a:solidFill>
-                  <a:srgbClr val="FFFFFF"/>
-                </a:solidFill>
-              </a14:hiddenFill>
+            <a:ext uri="{AF507438-7753-43E0-B8FC-AC1667EBCBE1}">
+              <a14:hiddenEffects xmlns:a14="http://schemas.microsoft.com/office/drawing/2010/main">
+                <a:effectLst>
+                  <a:outerShdw blurRad="63500" dist="38099" dir="2700000" algn="ctr" rotWithShape="0">
+                    <a:schemeClr val="bg2">
+                      <a:alpha val="74998"/>
+                    </a:schemeClr>
+                  </a:outerShdw>
+                </a:effectLst>
+              </a14:hiddenEffects>
             </a:ext>
           </a:extLst>
         </p:spPr>
-      </p:pic>
+      </p:cxnSp>
     </p:spTree>
     <p:extLst>
       <p:ext uri="{BB962C8B-B14F-4D97-AF65-F5344CB8AC3E}">
-        <p14:creationId xmlns:p14="http://schemas.microsoft.com/office/powerpoint/2010/main" val="3496911256"/>
+        <p14:creationId xmlns:p14="http://schemas.microsoft.com/office/powerpoint/2010/main" val="221644695"/>
       </p:ext>
     </p:extLst>
   </p:cSld>
@@ -7349,7 +8373,7 @@
         <p:cNvPr id="1" name="">
           <a:extLst>
             <a:ext uri="{FF2B5EF4-FFF2-40B4-BE49-F238E27FC236}">
-              <a16:creationId xmlns:a16="http://schemas.microsoft.com/office/drawing/2014/main" id="{C524D074-819B-5153-FF06-D7E265BFDB75}"/>
+              <a16:creationId xmlns:a16="http://schemas.microsoft.com/office/drawing/2014/main" id="{4FEFCBA7-3EAE-8008-1378-E1BA98F03AB5}"/>
             </a:ext>
           </a:extLst>
         </p:cNvPr>
@@ -7369,7 +8393,7 @@
           <p:cNvPr id="5" name="Footer Placeholder 3">
             <a:extLst>
               <a:ext uri="{FF2B5EF4-FFF2-40B4-BE49-F238E27FC236}">
-                <a16:creationId xmlns:a16="http://schemas.microsoft.com/office/drawing/2014/main" id="{B0679B6A-B6AA-C0EE-2191-2EC74464BD4B}"/>
+                <a16:creationId xmlns:a16="http://schemas.microsoft.com/office/drawing/2014/main" id="{0F883EFB-CD33-1AA5-651A-276141C5198A}"/>
               </a:ext>
             </a:extLst>
           </p:cNvPr>
@@ -7389,48 +8413,9 @@
               <a:defRPr/>
             </a:pPr>
             <a:r>
-              <a:rPr lang="en-US" altLang="en-US"/>
-              <a:t>Presentation Title</a:t>
-            </a:r>
-          </a:p>
-        </p:txBody>
-      </p:sp>
-      <p:sp>
-        <p:nvSpPr>
-          <p:cNvPr id="6" name="Date Placeholder 4">
-            <a:extLst>
-              <a:ext uri="{FF2B5EF4-FFF2-40B4-BE49-F238E27FC236}">
-                <a16:creationId xmlns:a16="http://schemas.microsoft.com/office/drawing/2014/main" id="{36F07236-F41B-C50F-25C9-401A6F796D82}"/>
-              </a:ext>
-            </a:extLst>
-          </p:cNvPr>
-          <p:cNvSpPr>
-            <a:spLocks noGrp="1"/>
-          </p:cNvSpPr>
-          <p:nvPr>
-            <p:ph type="dt" sz="quarter" idx="11"/>
-          </p:nvPr>
-        </p:nvSpPr>
-        <p:spPr/>
-        <p:txBody>
-          <a:bodyPr/>
-          <a:lstStyle/>
-          <a:p>
-            <a:pPr>
-              <a:defRPr/>
-            </a:pPr>
-            <a:r>
-              <a:rPr lang="en-US" altLang="en-US"/>
-              <a:t>2/3/08  </a:t>
-            </a:r>
-            <a:fld id="{82DD7A96-85F9-454B-A1B3-FA2F0A06CD82}" type="slidenum">
-              <a:rPr lang="en-US" altLang="en-US"/>
-              <a:pPr>
-                <a:defRPr/>
-              </a:pPr>
-              <a:t>12</a:t>
-            </a:fld>
-            <a:endParaRPr lang="en-US" altLang="en-US" baseline="0"/>
+              <a:rPr lang="en-US" altLang="en-US" dirty="0"/>
+              <a:t>Apache Airflow and Workflow Management in Predicting Stocks</a:t>
+            </a:r>
           </a:p>
         </p:txBody>
       </p:sp>
@@ -7439,7 +8424,7 @@
           <p:cNvPr id="5122" name="Rectangle 2">
             <a:extLst>
               <a:ext uri="{FF2B5EF4-FFF2-40B4-BE49-F238E27FC236}">
-                <a16:creationId xmlns:a16="http://schemas.microsoft.com/office/drawing/2014/main" id="{0320C210-FEBD-607E-19AA-6A0474BAFFF6}"/>
+                <a16:creationId xmlns:a16="http://schemas.microsoft.com/office/drawing/2014/main" id="{E776B972-6DA3-4D3C-9B12-8B935116835B}"/>
               </a:ext>
             </a:extLst>
           </p:cNvPr>
@@ -7460,7 +8445,23 @@
             </a:pPr>
             <a:r>
               <a:rPr lang="en-US" altLang="en-US" b="1" dirty="0"/>
-              <a:t>Set up the environment</a:t>
+              <a:t>DAG</a:t>
+            </a:r>
+            <a:r>
+              <a:rPr lang="zh-CN" altLang="en-US" b="1" dirty="0"/>
+              <a:t> </a:t>
+            </a:r>
+            <a:r>
+              <a:rPr lang="en-US" altLang="zh-CN" b="1" dirty="0"/>
+              <a:t>for</a:t>
+            </a:r>
+            <a:r>
+              <a:rPr lang="zh-CN" altLang="en-US" b="1" dirty="0"/>
+              <a:t> </a:t>
+            </a:r>
+            <a:r>
+              <a:rPr lang="en-US" altLang="en-US" b="1" dirty="0"/>
+              <a:t>Demo</a:t>
             </a:r>
             <a:endParaRPr lang="en-US" altLang="en-US" dirty="0"/>
           </a:p>
@@ -7468,43 +8469,10 @@
       </p:sp>
       <p:sp>
         <p:nvSpPr>
-          <p:cNvPr id="5123" name="Rectangle 3">
-            <a:extLst>
-              <a:ext uri="{FF2B5EF4-FFF2-40B4-BE49-F238E27FC236}">
-                <a16:creationId xmlns:a16="http://schemas.microsoft.com/office/drawing/2014/main" id="{28C3C0A2-3907-CE7B-76EB-2DBD2128C0DD}"/>
-              </a:ext>
-            </a:extLst>
-          </p:cNvPr>
-          <p:cNvSpPr>
-            <a:spLocks noGrp="1" noChangeArrowheads="1"/>
-          </p:cNvSpPr>
-          <p:nvPr>
-            <p:ph type="body" idx="1"/>
-          </p:nvPr>
-        </p:nvSpPr>
-        <p:spPr/>
-        <p:txBody>
-          <a:bodyPr/>
-          <a:lstStyle/>
-          <a:p>
-            <a:pPr lvl="1" eaLnBrk="1" hangingPunct="1">
-              <a:buClr>
-                <a:srgbClr val="CC0000"/>
-              </a:buClr>
-              <a:buFont typeface="Wingdings" charset="2"/>
-              <a:buChar char="§"/>
-              <a:defRPr/>
-            </a:pPr>
-            <a:endParaRPr lang="en-US" altLang="en-US" dirty="0"/>
-          </a:p>
-        </p:txBody>
-      </p:sp>
-      <p:sp>
-        <p:nvSpPr>
           <p:cNvPr id="5127" name="Rectangle 7">
             <a:extLst>
               <a:ext uri="{FF2B5EF4-FFF2-40B4-BE49-F238E27FC236}">
-                <a16:creationId xmlns:a16="http://schemas.microsoft.com/office/drawing/2014/main" id="{B7B67AF7-9443-0954-A348-48C1D4CF8293}"/>
+                <a16:creationId xmlns:a16="http://schemas.microsoft.com/office/drawing/2014/main" id="{56B11969-B3AC-2A0E-14F2-3EFBE054B691}"/>
               </a:ext>
             </a:extLst>
           </p:cNvPr>
@@ -7573,10 +8541,509 @@
           </a:p>
         </p:txBody>
       </p:sp>
+      <p:pic>
+        <p:nvPicPr>
+          <p:cNvPr id="2" name="图片 1">
+            <a:extLst>
+              <a:ext uri="{FF2B5EF4-FFF2-40B4-BE49-F238E27FC236}">
+                <a16:creationId xmlns:a16="http://schemas.microsoft.com/office/drawing/2014/main" id="{42D2A6DC-53AA-29D7-1F7E-A0D9B1FBCB9B}"/>
+              </a:ext>
+            </a:extLst>
+          </p:cNvPr>
+          <p:cNvPicPr>
+            <a:picLocks noChangeAspect="1"/>
+          </p:cNvPicPr>
+          <p:nvPr/>
+        </p:nvPicPr>
+        <p:blipFill>
+          <a:blip r:embed="rId3"/>
+          <a:stretch>
+            <a:fillRect/>
+          </a:stretch>
+        </p:blipFill>
+        <p:spPr>
+          <a:xfrm>
+            <a:off x="152400" y="2362200"/>
+            <a:ext cx="8607517" cy="2356171"/>
+          </a:xfrm>
+          <a:prstGeom prst="rect">
+            <a:avLst/>
+          </a:prstGeom>
+        </p:spPr>
+      </p:pic>
+      <p:grpSp>
+        <p:nvGrpSpPr>
+          <p:cNvPr id="10" name="组合 9">
+            <a:extLst>
+              <a:ext uri="{FF2B5EF4-FFF2-40B4-BE49-F238E27FC236}">
+                <a16:creationId xmlns:a16="http://schemas.microsoft.com/office/drawing/2014/main" id="{B533AFF6-3461-DB17-F6E4-F03F966D8536}"/>
+              </a:ext>
+            </a:extLst>
+          </p:cNvPr>
+          <p:cNvGrpSpPr/>
+          <p:nvPr/>
+        </p:nvGrpSpPr>
+        <p:grpSpPr>
+          <a:xfrm>
+            <a:off x="2057400" y="4572000"/>
+            <a:ext cx="1095172" cy="1049103"/>
+            <a:chOff x="1890814" y="3886200"/>
+            <a:chExt cx="1095172" cy="1049103"/>
+          </a:xfrm>
+        </p:grpSpPr>
+        <p:pic>
+          <p:nvPicPr>
+            <p:cNvPr id="4" name="图形 3" descr="数据库 轮廓">
+              <a:extLst>
+                <a:ext uri="{FF2B5EF4-FFF2-40B4-BE49-F238E27FC236}">
+                  <a16:creationId xmlns:a16="http://schemas.microsoft.com/office/drawing/2014/main" id="{4092301A-9BA3-5E47-3B65-6F7F1FAA2E71}"/>
+                </a:ext>
+              </a:extLst>
+            </p:cNvPr>
+            <p:cNvPicPr>
+              <a:picLocks noChangeAspect="1"/>
+            </p:cNvPicPr>
+            <p:nvPr/>
+          </p:nvPicPr>
+          <p:blipFill>
+            <a:blip r:embed="rId4">
+              <a:extLst>
+                <a:ext uri="{96DAC541-7B7A-43D3-8B79-37D633B846F1}">
+                  <asvg:svgBlip xmlns:asvg="http://schemas.microsoft.com/office/drawing/2016/SVG/main" r:embed="rId5"/>
+                </a:ext>
+              </a:extLst>
+            </a:blip>
+            <a:stretch>
+              <a:fillRect/>
+            </a:stretch>
+          </p:blipFill>
+          <p:spPr>
+            <a:xfrm>
+              <a:off x="1981200" y="3886200"/>
+              <a:ext cx="914400" cy="679770"/>
+            </a:xfrm>
+            <a:prstGeom prst="rect">
+              <a:avLst/>
+            </a:prstGeom>
+          </p:spPr>
+        </p:pic>
+        <p:sp>
+          <p:nvSpPr>
+            <p:cNvPr id="7" name="文本框 6">
+              <a:extLst>
+                <a:ext uri="{FF2B5EF4-FFF2-40B4-BE49-F238E27FC236}">
+                  <a16:creationId xmlns:a16="http://schemas.microsoft.com/office/drawing/2014/main" id="{1B17329A-6207-243F-23CD-F333ADAC2018}"/>
+                </a:ext>
+              </a:extLst>
+            </p:cNvPr>
+            <p:cNvSpPr txBox="1"/>
+            <p:nvPr/>
+          </p:nvSpPr>
+          <p:spPr>
+            <a:xfrm>
+              <a:off x="1890814" y="4565971"/>
+              <a:ext cx="1095172" cy="369332"/>
+            </a:xfrm>
+            <a:prstGeom prst="rect">
+              <a:avLst/>
+            </a:prstGeom>
+            <a:noFill/>
+          </p:spPr>
+          <p:txBody>
+            <a:bodyPr wrap="none" rtlCol="0">
+              <a:spAutoFit/>
+            </a:bodyPr>
+            <a:lstStyle/>
+            <a:p>
+              <a:r>
+                <a:rPr kumimoji="1" lang="en-US" altLang="zh-CN" sz="1800" dirty="0"/>
+                <a:t>Postgres</a:t>
+              </a:r>
+              <a:endParaRPr kumimoji="1" lang="zh-CN" altLang="en-US" sz="1800" dirty="0"/>
+            </a:p>
+          </p:txBody>
+        </p:sp>
+      </p:grpSp>
+      <p:cxnSp>
+        <p:nvCxnSpPr>
+          <p:cNvPr id="12" name="直线箭头连接符 11">
+            <a:extLst>
+              <a:ext uri="{FF2B5EF4-FFF2-40B4-BE49-F238E27FC236}">
+                <a16:creationId xmlns:a16="http://schemas.microsoft.com/office/drawing/2014/main" id="{BF946392-4132-2CE0-BF1A-BE70C3244E78}"/>
+              </a:ext>
+            </a:extLst>
+          </p:cNvPr>
+          <p:cNvCxnSpPr/>
+          <p:nvPr/>
+        </p:nvCxnSpPr>
+        <p:spPr bwMode="auto">
+          <a:xfrm>
+            <a:off x="2604986" y="3540285"/>
+            <a:ext cx="0" cy="955515"/>
+          </a:xfrm>
+          <a:prstGeom prst="straightConnector1">
+            <a:avLst/>
+          </a:prstGeom>
+          <a:solidFill>
+            <a:schemeClr val="accent1"/>
+          </a:solidFill>
+          <a:ln w="28575" cap="flat" cmpd="sng" algn="ctr">
+            <a:solidFill>
+              <a:schemeClr val="tx1"/>
+            </a:solidFill>
+            <a:prstDash val="solid"/>
+            <a:round/>
+            <a:headEnd type="none" w="med" len="med"/>
+            <a:tailEnd type="triangle"/>
+          </a:ln>
+          <a:effectLst/>
+          <a:extLst>
+            <a:ext uri="{AF507438-7753-43E0-B8FC-AC1667EBCBE1}">
+              <a14:hiddenEffects xmlns:a14="http://schemas.microsoft.com/office/drawing/2010/main">
+                <a:effectLst>
+                  <a:outerShdw blurRad="63500" dist="38099" dir="2700000" algn="ctr" rotWithShape="0">
+                    <a:schemeClr val="bg2">
+                      <a:alpha val="74998"/>
+                    </a:schemeClr>
+                  </a:outerShdw>
+                </a:effectLst>
+              </a14:hiddenEffects>
+            </a:ext>
+          </a:extLst>
+        </p:spPr>
+      </p:cxnSp>
+      <p:cxnSp>
+        <p:nvCxnSpPr>
+          <p:cNvPr id="15" name="肘形连接符 14">
+            <a:extLst>
+              <a:ext uri="{FF2B5EF4-FFF2-40B4-BE49-F238E27FC236}">
+                <a16:creationId xmlns:a16="http://schemas.microsoft.com/office/drawing/2014/main" id="{B29BBE66-8E5F-18F3-1035-722B4009DF6A}"/>
+              </a:ext>
+            </a:extLst>
+          </p:cNvPr>
+          <p:cNvCxnSpPr/>
+          <p:nvPr/>
+        </p:nvCxnSpPr>
+        <p:spPr bwMode="auto">
+          <a:xfrm flipV="1">
+            <a:off x="3152572" y="4495800"/>
+            <a:ext cx="2714828" cy="533400"/>
+          </a:xfrm>
+          <a:prstGeom prst="bentConnector3">
+            <a:avLst>
+              <a:gd name="adj1" fmla="val 99875"/>
+            </a:avLst>
+          </a:prstGeom>
+          <a:solidFill>
+            <a:schemeClr val="accent1"/>
+          </a:solidFill>
+          <a:ln w="28575" cap="flat" cmpd="sng" algn="ctr">
+            <a:solidFill>
+              <a:schemeClr val="tx1"/>
+            </a:solidFill>
+            <a:prstDash val="solid"/>
+            <a:round/>
+            <a:headEnd type="none" w="med" len="med"/>
+            <a:tailEnd type="triangle"/>
+          </a:ln>
+          <a:effectLst/>
+          <a:extLst>
+            <a:ext uri="{AF507438-7753-43E0-B8FC-AC1667EBCBE1}">
+              <a14:hiddenEffects xmlns:a14="http://schemas.microsoft.com/office/drawing/2010/main">
+                <a:effectLst>
+                  <a:outerShdw blurRad="63500" dist="38099" dir="2700000" algn="ctr" rotWithShape="0">
+                    <a:schemeClr val="bg2">
+                      <a:alpha val="74998"/>
+                    </a:schemeClr>
+                  </a:outerShdw>
+                </a:effectLst>
+              </a14:hiddenEffects>
+            </a:ext>
+          </a:extLst>
+        </p:spPr>
+      </p:cxnSp>
+      <p:pic>
+        <p:nvPicPr>
+          <p:cNvPr id="26" name="图形 25" descr="数据库 纯色填充">
+            <a:extLst>
+              <a:ext uri="{FF2B5EF4-FFF2-40B4-BE49-F238E27FC236}">
+                <a16:creationId xmlns:a16="http://schemas.microsoft.com/office/drawing/2014/main" id="{98D1526D-C0E4-B999-978B-C2AB2DD79E9D}"/>
+              </a:ext>
+            </a:extLst>
+          </p:cNvPr>
+          <p:cNvPicPr>
+            <a:picLocks noChangeAspect="1"/>
+          </p:cNvPicPr>
+          <p:nvPr/>
+        </p:nvPicPr>
+        <p:blipFill>
+          <a:blip r:embed="rId6">
+            <a:extLst>
+              <a:ext uri="{96DAC541-7B7A-43D3-8B79-37D633B846F1}">
+                <asvg:svgBlip xmlns:asvg="http://schemas.microsoft.com/office/drawing/2016/SVG/main" r:embed="rId7"/>
+              </a:ext>
+            </a:extLst>
+          </a:blip>
+          <a:stretch>
+            <a:fillRect/>
+          </a:stretch>
+        </p:blipFill>
+        <p:spPr>
+          <a:xfrm>
+            <a:off x="3657600" y="1638299"/>
+            <a:ext cx="914400" cy="685801"/>
+          </a:xfrm>
+          <a:prstGeom prst="rect">
+            <a:avLst/>
+          </a:prstGeom>
+        </p:spPr>
+      </p:pic>
+      <p:cxnSp>
+        <p:nvCxnSpPr>
+          <p:cNvPr id="27" name="直线箭头连接符 26">
+            <a:extLst>
+              <a:ext uri="{FF2B5EF4-FFF2-40B4-BE49-F238E27FC236}">
+                <a16:creationId xmlns:a16="http://schemas.microsoft.com/office/drawing/2014/main" id="{4E2F2002-17BE-4A63-A463-F877A0B4DC7C}"/>
+              </a:ext>
+            </a:extLst>
+          </p:cNvPr>
+          <p:cNvCxnSpPr/>
+          <p:nvPr/>
+        </p:nvCxnSpPr>
+        <p:spPr bwMode="auto">
+          <a:xfrm flipV="1">
+            <a:off x="4114800" y="2362200"/>
+            <a:ext cx="0" cy="363458"/>
+          </a:xfrm>
+          <a:prstGeom prst="straightConnector1">
+            <a:avLst/>
+          </a:prstGeom>
+          <a:solidFill>
+            <a:schemeClr val="accent1"/>
+          </a:solidFill>
+          <a:ln w="28575" cap="flat" cmpd="sng" algn="ctr">
+            <a:solidFill>
+              <a:schemeClr val="tx1"/>
+            </a:solidFill>
+            <a:prstDash val="solid"/>
+            <a:round/>
+            <a:headEnd type="none" w="med" len="med"/>
+            <a:tailEnd type="triangle"/>
+          </a:ln>
+          <a:effectLst/>
+          <a:extLst>
+            <a:ext uri="{AF507438-7753-43E0-B8FC-AC1667EBCBE1}">
+              <a14:hiddenEffects xmlns:a14="http://schemas.microsoft.com/office/drawing/2010/main">
+                <a:effectLst>
+                  <a:outerShdw blurRad="63500" dist="38099" dir="2700000" algn="ctr" rotWithShape="0">
+                    <a:schemeClr val="bg2">
+                      <a:alpha val="74998"/>
+                    </a:schemeClr>
+                  </a:outerShdw>
+                </a:effectLst>
+              </a14:hiddenEffects>
+            </a:ext>
+          </a:extLst>
+        </p:spPr>
+      </p:cxnSp>
+      <p:sp>
+        <p:nvSpPr>
+          <p:cNvPr id="30" name="文本框 29">
+            <a:extLst>
+              <a:ext uri="{FF2B5EF4-FFF2-40B4-BE49-F238E27FC236}">
+                <a16:creationId xmlns:a16="http://schemas.microsoft.com/office/drawing/2014/main" id="{C348120D-E9D9-DE67-02D3-BC9897433B4A}"/>
+              </a:ext>
+            </a:extLst>
+          </p:cNvPr>
+          <p:cNvSpPr txBox="1"/>
+          <p:nvPr/>
+        </p:nvSpPr>
+        <p:spPr>
+          <a:xfrm>
+            <a:off x="4953000" y="1824479"/>
+            <a:ext cx="1906291" cy="338554"/>
+          </a:xfrm>
+          <a:prstGeom prst="rect">
+            <a:avLst/>
+          </a:prstGeom>
+          <a:noFill/>
+        </p:spPr>
+        <p:txBody>
+          <a:bodyPr wrap="none" rtlCol="0">
+            <a:spAutoFit/>
+          </a:bodyPr>
+          <a:lstStyle/>
+          <a:p>
+            <a:r>
+              <a:rPr kumimoji="1" lang="en-US" altLang="zh-CN" sz="1600" dirty="0"/>
+              <a:t>Pretrained</a:t>
+            </a:r>
+            <a:r>
+              <a:rPr kumimoji="1" lang="zh-CN" altLang="en-US" sz="1600" dirty="0"/>
+              <a:t> </a:t>
+            </a:r>
+            <a:r>
+              <a:rPr kumimoji="1" lang="en-US" altLang="zh-CN" sz="1600" dirty="0"/>
+              <a:t>models:</a:t>
+            </a:r>
+            <a:endParaRPr kumimoji="1" lang="zh-CN" altLang="en-US" sz="1600" dirty="0"/>
+          </a:p>
+        </p:txBody>
+      </p:sp>
+      <p:sp>
+        <p:nvSpPr>
+          <p:cNvPr id="31" name="文本框 30">
+            <a:extLst>
+              <a:ext uri="{FF2B5EF4-FFF2-40B4-BE49-F238E27FC236}">
+                <a16:creationId xmlns:a16="http://schemas.microsoft.com/office/drawing/2014/main" id="{294251B5-7486-227F-F694-34B965AE228B}"/>
+              </a:ext>
+            </a:extLst>
+          </p:cNvPr>
+          <p:cNvSpPr txBox="1"/>
+          <p:nvPr/>
+        </p:nvSpPr>
+        <p:spPr>
+          <a:xfrm>
+            <a:off x="6786806" y="1638299"/>
+            <a:ext cx="1747594" cy="738664"/>
+          </a:xfrm>
+          <a:prstGeom prst="rect">
+            <a:avLst/>
+          </a:prstGeom>
+          <a:noFill/>
+        </p:spPr>
+        <p:txBody>
+          <a:bodyPr wrap="none" rtlCol="0">
+            <a:spAutoFit/>
+          </a:bodyPr>
+          <a:lstStyle/>
+          <a:p>
+            <a:r>
+              <a:rPr kumimoji="1" lang="en-US" altLang="zh-CN" sz="1400" dirty="0"/>
+              <a:t>Linear</a:t>
+            </a:r>
+            <a:r>
+              <a:rPr kumimoji="1" lang="zh-CN" altLang="en-US" sz="1400" dirty="0"/>
+              <a:t> </a:t>
+            </a:r>
+            <a:r>
+              <a:rPr kumimoji="1" lang="en-US" altLang="zh-CN" sz="1400" dirty="0"/>
+              <a:t>Regression</a:t>
+            </a:r>
+          </a:p>
+          <a:p>
+            <a:r>
+              <a:rPr kumimoji="1" lang="en-US" altLang="zh-CN" sz="1400" dirty="0"/>
+              <a:t>Logistic</a:t>
+            </a:r>
+            <a:r>
+              <a:rPr kumimoji="1" lang="zh-CN" altLang="en-US" sz="1400" dirty="0"/>
+              <a:t> </a:t>
+            </a:r>
+            <a:r>
+              <a:rPr kumimoji="1" lang="en-US" altLang="zh-CN" sz="1400" dirty="0"/>
+              <a:t>Regression</a:t>
+            </a:r>
+          </a:p>
+          <a:p>
+            <a:r>
+              <a:rPr kumimoji="1" lang="en-US" altLang="zh-CN" sz="1400" dirty="0"/>
+              <a:t>LSTM</a:t>
+            </a:r>
+            <a:endParaRPr kumimoji="1" lang="zh-CN" altLang="en-US" sz="1400" dirty="0"/>
+          </a:p>
+        </p:txBody>
+      </p:sp>
+      <p:cxnSp>
+        <p:nvCxnSpPr>
+          <p:cNvPr id="32" name="直线箭头连接符 31">
+            <a:extLst>
+              <a:ext uri="{FF2B5EF4-FFF2-40B4-BE49-F238E27FC236}">
+                <a16:creationId xmlns:a16="http://schemas.microsoft.com/office/drawing/2014/main" id="{542EA0ED-3434-9755-7AB4-EB66A69ADBDD}"/>
+              </a:ext>
+            </a:extLst>
+          </p:cNvPr>
+          <p:cNvCxnSpPr>
+            <a:stCxn id="30" idx="1"/>
+          </p:cNvCxnSpPr>
+          <p:nvPr/>
+        </p:nvCxnSpPr>
+        <p:spPr bwMode="auto">
+          <a:xfrm flipH="1">
+            <a:off x="4495801" y="1993756"/>
+            <a:ext cx="457199" cy="0"/>
+          </a:xfrm>
+          <a:prstGeom prst="straightConnector1">
+            <a:avLst/>
+          </a:prstGeom>
+          <a:solidFill>
+            <a:schemeClr val="accent1"/>
+          </a:solidFill>
+          <a:ln w="28575" cap="flat" cmpd="sng" algn="ctr">
+            <a:solidFill>
+              <a:schemeClr val="tx1"/>
+            </a:solidFill>
+            <a:prstDash val="solid"/>
+            <a:round/>
+            <a:headEnd type="none" w="med" len="med"/>
+            <a:tailEnd type="triangle"/>
+          </a:ln>
+          <a:effectLst/>
+          <a:extLst>
+            <a:ext uri="{AF507438-7753-43E0-B8FC-AC1667EBCBE1}">
+              <a14:hiddenEffects xmlns:a14="http://schemas.microsoft.com/office/drawing/2010/main">
+                <a:effectLst>
+                  <a:outerShdw blurRad="63500" dist="38099" dir="2700000" algn="ctr" rotWithShape="0">
+                    <a:schemeClr val="bg2">
+                      <a:alpha val="74998"/>
+                    </a:schemeClr>
+                  </a:outerShdw>
+                </a:effectLst>
+              </a14:hiddenEffects>
+            </a:ext>
+          </a:extLst>
+        </p:spPr>
+      </p:cxnSp>
+      <p:sp>
+        <p:nvSpPr>
+          <p:cNvPr id="37" name="文本框 36">
+            <a:extLst>
+              <a:ext uri="{FF2B5EF4-FFF2-40B4-BE49-F238E27FC236}">
+                <a16:creationId xmlns:a16="http://schemas.microsoft.com/office/drawing/2014/main" id="{8F6D269D-D92F-3E35-EC34-D48A424BB1A6}"/>
+              </a:ext>
+            </a:extLst>
+          </p:cNvPr>
+          <p:cNvSpPr txBox="1"/>
+          <p:nvPr/>
+        </p:nvSpPr>
+        <p:spPr>
+          <a:xfrm>
+            <a:off x="3746750" y="1339250"/>
+            <a:ext cx="736099" cy="369332"/>
+          </a:xfrm>
+          <a:prstGeom prst="rect">
+            <a:avLst/>
+          </a:prstGeom>
+          <a:noFill/>
+        </p:spPr>
+        <p:txBody>
+          <a:bodyPr wrap="none" rtlCol="0">
+            <a:spAutoFit/>
+          </a:bodyPr>
+          <a:lstStyle/>
+          <a:p>
+            <a:r>
+              <a:rPr kumimoji="1" lang="en-US" altLang="zh-CN" sz="1800" dirty="0" err="1"/>
+              <a:t>Minio</a:t>
+            </a:r>
+            <a:endParaRPr kumimoji="1" lang="zh-CN" altLang="en-US" sz="1800" dirty="0"/>
+          </a:p>
+        </p:txBody>
+      </p:sp>
     </p:spTree>
     <p:extLst>
       <p:ext uri="{BB962C8B-B14F-4D97-AF65-F5344CB8AC3E}">
-        <p14:creationId xmlns:p14="http://schemas.microsoft.com/office/powerpoint/2010/main" val="2839247195"/>
+        <p14:creationId xmlns:p14="http://schemas.microsoft.com/office/powerpoint/2010/main" val="1447646194"/>
       </p:ext>
     </p:extLst>
   </p:cSld>
@@ -7594,7 +9061,7 @@
         <p:cNvPr id="1" name="">
           <a:extLst>
             <a:ext uri="{FF2B5EF4-FFF2-40B4-BE49-F238E27FC236}">
-              <a16:creationId xmlns:a16="http://schemas.microsoft.com/office/drawing/2014/main" id="{4FEFCBA7-3EAE-8008-1378-E1BA98F03AB5}"/>
+              <a16:creationId xmlns:a16="http://schemas.microsoft.com/office/drawing/2014/main" id="{C524D074-819B-5153-FF06-D7E265BFDB75}"/>
             </a:ext>
           </a:extLst>
         </p:cNvPr>
@@ -7614,7 +9081,7 @@
           <p:cNvPr id="5" name="Footer Placeholder 3">
             <a:extLst>
               <a:ext uri="{FF2B5EF4-FFF2-40B4-BE49-F238E27FC236}">
-                <a16:creationId xmlns:a16="http://schemas.microsoft.com/office/drawing/2014/main" id="{0F883EFB-CD33-1AA5-651A-276141C5198A}"/>
+                <a16:creationId xmlns:a16="http://schemas.microsoft.com/office/drawing/2014/main" id="{B0679B6A-B6AA-C0EE-2191-2EC74464BD4B}"/>
               </a:ext>
             </a:extLst>
           </p:cNvPr>
@@ -7634,48 +9101,9 @@
               <a:defRPr/>
             </a:pPr>
             <a:r>
-              <a:rPr lang="en-US" altLang="en-US"/>
-              <a:t>Presentation Title</a:t>
-            </a:r>
-          </a:p>
-        </p:txBody>
-      </p:sp>
-      <p:sp>
-        <p:nvSpPr>
-          <p:cNvPr id="6" name="Date Placeholder 4">
-            <a:extLst>
-              <a:ext uri="{FF2B5EF4-FFF2-40B4-BE49-F238E27FC236}">
-                <a16:creationId xmlns:a16="http://schemas.microsoft.com/office/drawing/2014/main" id="{8D160BF8-7588-4C86-D664-EEBA77C4D984}"/>
-              </a:ext>
-            </a:extLst>
-          </p:cNvPr>
-          <p:cNvSpPr>
-            <a:spLocks noGrp="1"/>
-          </p:cNvSpPr>
-          <p:nvPr>
-            <p:ph type="dt" sz="quarter" idx="11"/>
-          </p:nvPr>
-        </p:nvSpPr>
-        <p:spPr/>
-        <p:txBody>
-          <a:bodyPr/>
-          <a:lstStyle/>
-          <a:p>
-            <a:pPr>
-              <a:defRPr/>
-            </a:pPr>
-            <a:r>
-              <a:rPr lang="en-US" altLang="en-US"/>
-              <a:t>2/3/08  </a:t>
-            </a:r>
-            <a:fld id="{82DD7A96-85F9-454B-A1B3-FA2F0A06CD82}" type="slidenum">
-              <a:rPr lang="en-US" altLang="en-US"/>
-              <a:pPr>
-                <a:defRPr/>
-              </a:pPr>
-              <a:t>13</a:t>
-            </a:fld>
-            <a:endParaRPr lang="en-US" altLang="en-US" baseline="0"/>
+              <a:rPr lang="en-US" altLang="en-US" dirty="0"/>
+              <a:t>Apache Airflow and Workflow Management in Predicting Stocks</a:t>
+            </a:r>
           </a:p>
         </p:txBody>
       </p:sp>
@@ -7684,7 +9112,7 @@
           <p:cNvPr id="5122" name="Rectangle 2">
             <a:extLst>
               <a:ext uri="{FF2B5EF4-FFF2-40B4-BE49-F238E27FC236}">
-                <a16:creationId xmlns:a16="http://schemas.microsoft.com/office/drawing/2014/main" id="{E776B972-6DA3-4D3C-9B12-8B935116835B}"/>
+                <a16:creationId xmlns:a16="http://schemas.microsoft.com/office/drawing/2014/main" id="{0320C210-FEBD-607E-19AA-6A0474BAFFF6}"/>
               </a:ext>
             </a:extLst>
           </p:cNvPr>
@@ -7705,7 +9133,7 @@
             </a:pPr>
             <a:r>
               <a:rPr lang="en-US" altLang="en-US" b="1" dirty="0"/>
-              <a:t>Demo</a:t>
+              <a:t>Set up the environment</a:t>
             </a:r>
             <a:endParaRPr lang="en-US" altLang="en-US" dirty="0"/>
           </a:p>
@@ -7716,7 +9144,7 @@
           <p:cNvPr id="5123" name="Rectangle 3">
             <a:extLst>
               <a:ext uri="{FF2B5EF4-FFF2-40B4-BE49-F238E27FC236}">
-                <a16:creationId xmlns:a16="http://schemas.microsoft.com/office/drawing/2014/main" id="{E845B75B-C7C2-8FBB-5226-9CCE539A783C}"/>
+                <a16:creationId xmlns:a16="http://schemas.microsoft.com/office/drawing/2014/main" id="{28C3C0A2-3907-CE7B-76EB-2DBD2128C0DD}"/>
               </a:ext>
             </a:extLst>
           </p:cNvPr>
@@ -7740,6 +9168,56 @@
               <a:buChar char="§"/>
               <a:defRPr/>
             </a:pPr>
+            <a:r>
+              <a:rPr lang="en-US" altLang="en-US" dirty="0"/>
+              <a:t>Pyt</a:t>
+            </a:r>
+            <a:r>
+              <a:rPr lang="en-US" altLang="zh-CN" dirty="0"/>
+              <a:t>hon</a:t>
+            </a:r>
+          </a:p>
+          <a:p>
+            <a:pPr lvl="1" eaLnBrk="1" hangingPunct="1">
+              <a:buClr>
+                <a:srgbClr val="CC0000"/>
+              </a:buClr>
+              <a:buFont typeface="Wingdings" charset="2"/>
+              <a:buChar char="§"/>
+              <a:defRPr/>
+            </a:pPr>
+            <a:r>
+              <a:rPr lang="en-US" altLang="zh-CN" dirty="0"/>
+              <a:t>Airflow</a:t>
+            </a:r>
+          </a:p>
+          <a:p>
+            <a:pPr lvl="1" eaLnBrk="1" hangingPunct="1">
+              <a:buClr>
+                <a:srgbClr val="CC0000"/>
+              </a:buClr>
+              <a:buFont typeface="Wingdings" charset="2"/>
+              <a:buChar char="§"/>
+              <a:defRPr/>
+            </a:pPr>
+            <a:r>
+              <a:rPr lang="en-US" altLang="zh-CN" dirty="0"/>
+              <a:t>PostgreSQL</a:t>
+            </a:r>
+          </a:p>
+          <a:p>
+            <a:pPr lvl="1" eaLnBrk="1" hangingPunct="1">
+              <a:buClr>
+                <a:srgbClr val="CC0000"/>
+              </a:buClr>
+              <a:buFont typeface="Wingdings" charset="2"/>
+              <a:buChar char="§"/>
+              <a:defRPr/>
+            </a:pPr>
+            <a:r>
+              <a:rPr lang="en-US" altLang="zh-CN" dirty="0" err="1"/>
+              <a:t>Minio</a:t>
+            </a:r>
             <a:endParaRPr lang="en-US" altLang="en-US" dirty="0"/>
           </a:p>
         </p:txBody>
@@ -7749,7 +9227,7 @@
           <p:cNvPr id="5127" name="Rectangle 7">
             <a:extLst>
               <a:ext uri="{FF2B5EF4-FFF2-40B4-BE49-F238E27FC236}">
-                <a16:creationId xmlns:a16="http://schemas.microsoft.com/office/drawing/2014/main" id="{56B11969-B3AC-2A0E-14F2-3EFBE054B691}"/>
+                <a16:creationId xmlns:a16="http://schemas.microsoft.com/office/drawing/2014/main" id="{B7B67AF7-9443-0954-A348-48C1D4CF8293}"/>
               </a:ext>
             </a:extLst>
           </p:cNvPr>
@@ -7821,7 +9299,7 @@
     </p:spTree>
     <p:extLst>
       <p:ext uri="{BB962C8B-B14F-4D97-AF65-F5344CB8AC3E}">
-        <p14:creationId xmlns:p14="http://schemas.microsoft.com/office/powerpoint/2010/main" val="221644695"/>
+        <p14:creationId xmlns:p14="http://schemas.microsoft.com/office/powerpoint/2010/main" val="2839247195"/>
       </p:ext>
     </p:extLst>
   </p:cSld>
@@ -7879,113 +9357,9 @@
               <a:defRPr/>
             </a:pPr>
             <a:r>
-              <a:rPr lang="en-US" altLang="en-US"/>
-              <a:t>Presentation Title</a:t>
-            </a:r>
-          </a:p>
-        </p:txBody>
-      </p:sp>
-      <p:sp>
-        <p:nvSpPr>
-          <p:cNvPr id="6" name="Date Placeholder 4">
-            <a:extLst>
-              <a:ext uri="{FF2B5EF4-FFF2-40B4-BE49-F238E27FC236}">
-                <a16:creationId xmlns:a16="http://schemas.microsoft.com/office/drawing/2014/main" id="{05BBE9BD-A3E7-F552-E7B6-B270C67444B4}"/>
-              </a:ext>
-            </a:extLst>
-          </p:cNvPr>
-          <p:cNvSpPr>
-            <a:spLocks noGrp="1"/>
-          </p:cNvSpPr>
-          <p:nvPr>
-            <p:ph type="dt" sz="quarter" idx="11"/>
-          </p:nvPr>
-        </p:nvSpPr>
-        <p:spPr/>
-        <p:txBody>
-          <a:bodyPr/>
-          <a:lstStyle/>
-          <a:p>
-            <a:pPr>
-              <a:defRPr/>
-            </a:pPr>
-            <a:r>
-              <a:rPr lang="en-US" altLang="en-US"/>
-              <a:t>2/3/08  </a:t>
-            </a:r>
-            <a:fld id="{82DD7A96-85F9-454B-A1B3-FA2F0A06CD82}" type="slidenum">
-              <a:rPr lang="en-US" altLang="en-US"/>
-              <a:pPr>
-                <a:defRPr/>
-              </a:pPr>
-              <a:t>14</a:t>
-            </a:fld>
-            <a:endParaRPr lang="en-US" altLang="en-US" baseline="0"/>
-          </a:p>
-        </p:txBody>
-      </p:sp>
-      <p:sp>
-        <p:nvSpPr>
-          <p:cNvPr id="5122" name="Rectangle 2">
-            <a:extLst>
-              <a:ext uri="{FF2B5EF4-FFF2-40B4-BE49-F238E27FC236}">
-                <a16:creationId xmlns:a16="http://schemas.microsoft.com/office/drawing/2014/main" id="{3C9E5CD3-3F34-C03F-CBE2-98519BC137A9}"/>
-              </a:ext>
-            </a:extLst>
-          </p:cNvPr>
-          <p:cNvSpPr>
-            <a:spLocks noGrp="1" noChangeArrowheads="1"/>
-          </p:cNvSpPr>
-          <p:nvPr>
-            <p:ph type="title"/>
-          </p:nvPr>
-        </p:nvSpPr>
-        <p:spPr/>
-        <p:txBody>
-          <a:bodyPr/>
-          <a:lstStyle/>
-          <a:p>
-            <a:pPr eaLnBrk="1" hangingPunct="1">
-              <a:defRPr/>
-            </a:pPr>
-            <a:r>
-              <a:rPr lang="en-US" altLang="en-US" b="1" dirty="0"/>
-              <a:t>References</a:t>
-            </a:r>
-            <a:endParaRPr lang="en-US" altLang="en-US" dirty="0"/>
-          </a:p>
-        </p:txBody>
-      </p:sp>
-      <p:sp>
-        <p:nvSpPr>
-          <p:cNvPr id="5123" name="Rectangle 3">
-            <a:extLst>
-              <a:ext uri="{FF2B5EF4-FFF2-40B4-BE49-F238E27FC236}">
-                <a16:creationId xmlns:a16="http://schemas.microsoft.com/office/drawing/2014/main" id="{CD01534D-E350-6322-ACB3-2C9C3A551F61}"/>
-              </a:ext>
-            </a:extLst>
-          </p:cNvPr>
-          <p:cNvSpPr>
-            <a:spLocks noGrp="1" noChangeArrowheads="1"/>
-          </p:cNvSpPr>
-          <p:nvPr>
-            <p:ph type="body" idx="1"/>
-          </p:nvPr>
-        </p:nvSpPr>
-        <p:spPr/>
-        <p:txBody>
-          <a:bodyPr/>
-          <a:lstStyle/>
-          <a:p>
-            <a:pPr lvl="1" eaLnBrk="1" hangingPunct="1">
-              <a:buClr>
-                <a:srgbClr val="CC0000"/>
-              </a:buClr>
-              <a:buFont typeface="Wingdings" charset="2"/>
-              <a:buChar char="§"/>
-              <a:defRPr/>
-            </a:pPr>
-            <a:endParaRPr lang="en-US" altLang="en-US" dirty="0"/>
+              <a:rPr lang="en-US" altLang="en-US" dirty="0"/>
+              <a:t>Apache Airflow and Workflow Management in Predicting Stocks</a:t>
+            </a:r>
           </a:p>
         </p:txBody>
       </p:sp>
@@ -8063,6 +9437,53 @@
           </a:p>
         </p:txBody>
       </p:sp>
+      <p:pic>
+        <p:nvPicPr>
+          <p:cNvPr id="1026" name="Picture 2" descr="Q&amp;a Special Flat icon">
+            <a:extLst>
+              <a:ext uri="{FF2B5EF4-FFF2-40B4-BE49-F238E27FC236}">
+                <a16:creationId xmlns:a16="http://schemas.microsoft.com/office/drawing/2014/main" id="{2CFAF4A8-D07D-B32C-0D77-BA243EEE1616}"/>
+              </a:ext>
+            </a:extLst>
+          </p:cNvPr>
+          <p:cNvPicPr>
+            <a:picLocks noChangeAspect="1" noChangeArrowheads="1"/>
+          </p:cNvPicPr>
+          <p:nvPr/>
+        </p:nvPicPr>
+        <p:blipFill>
+          <a:blip r:embed="rId3">
+            <a:extLst>
+              <a:ext uri="{28A0092B-C50C-407E-A947-70E740481C1C}">
+                <a14:useLocalDpi xmlns:a14="http://schemas.microsoft.com/office/drawing/2010/main" val="0"/>
+              </a:ext>
+            </a:extLst>
+          </a:blip>
+          <a:srcRect/>
+          <a:stretch>
+            <a:fillRect/>
+          </a:stretch>
+        </p:blipFill>
+        <p:spPr bwMode="auto">
+          <a:xfrm>
+            <a:off x="2413000" y="1270000"/>
+            <a:ext cx="4318000" cy="4318000"/>
+          </a:xfrm>
+          <a:prstGeom prst="rect">
+            <a:avLst/>
+          </a:prstGeom>
+          <a:noFill/>
+          <a:extLst>
+            <a:ext uri="{909E8E84-426E-40DD-AFC4-6F175D3DCCD1}">
+              <a14:hiddenFill xmlns:a14="http://schemas.microsoft.com/office/drawing/2010/main">
+                <a:solidFill>
+                  <a:srgbClr val="FFFFFF"/>
+                </a:solidFill>
+              </a14:hiddenFill>
+            </a:ext>
+          </a:extLst>
+        </p:spPr>
+      </p:pic>
     </p:spTree>
     <p:extLst>
       <p:ext uri="{BB962C8B-B14F-4D97-AF65-F5344CB8AC3E}">
@@ -8118,48 +9539,9 @@
               <a:defRPr/>
             </a:pPr>
             <a:r>
-              <a:rPr lang="en-US" altLang="en-US"/>
-              <a:t>Presentation Title</a:t>
-            </a:r>
-          </a:p>
-        </p:txBody>
-      </p:sp>
-      <p:sp>
-        <p:nvSpPr>
-          <p:cNvPr id="6" name="Date Placeholder 4">
-            <a:extLst>
-              <a:ext uri="{FF2B5EF4-FFF2-40B4-BE49-F238E27FC236}">
-                <a16:creationId xmlns:a16="http://schemas.microsoft.com/office/drawing/2014/main" id="{1D05D912-DD76-9740-BD4A-8BDD6BFF8E1F}"/>
-              </a:ext>
-            </a:extLst>
-          </p:cNvPr>
-          <p:cNvSpPr>
-            <a:spLocks noGrp="1"/>
-          </p:cNvSpPr>
-          <p:nvPr>
-            <p:ph type="dt" sz="quarter" idx="11"/>
-          </p:nvPr>
-        </p:nvSpPr>
-        <p:spPr/>
-        <p:txBody>
-          <a:bodyPr/>
-          <a:lstStyle/>
-          <a:p>
-            <a:pPr>
-              <a:defRPr/>
-            </a:pPr>
-            <a:r>
-              <a:rPr lang="en-US" altLang="en-US"/>
-              <a:t>2/3/08  </a:t>
-            </a:r>
-            <a:fld id="{82DD7A96-85F9-454B-A1B3-FA2F0A06CD82}" type="slidenum">
-              <a:rPr lang="en-US" altLang="en-US"/>
-              <a:pPr>
-                <a:defRPr/>
-              </a:pPr>
-              <a:t>2</a:t>
-            </a:fld>
-            <a:endParaRPr lang="en-US" altLang="en-US" baseline="0"/>
+              <a:rPr lang="en-US" altLang="en-US" dirty="0"/>
+              <a:t>Apache Airflow and Workflow Management in Predicting Stocks</a:t>
+            </a:r>
           </a:p>
         </p:txBody>
       </p:sp>
@@ -8188,10 +9570,10 @@
               <a:defRPr/>
             </a:pPr>
             <a:r>
-              <a:rPr lang="en-US" altLang="en-US" b="1" dirty="0"/>
+              <a:rPr lang="en-US" altLang="en-US" sz="3200" b="1" dirty="0"/>
               <a:t>Presentation Outline</a:t>
             </a:r>
-            <a:endParaRPr lang="en-US" altLang="en-US" dirty="0"/>
+            <a:endParaRPr lang="en-US" altLang="en-US" sz="3200" dirty="0"/>
           </a:p>
         </p:txBody>
       </p:sp>
@@ -8225,10 +9607,220 @@
               <a:defRPr/>
             </a:pPr>
             <a:r>
-              <a:rPr lang="en-US" sz="1800" dirty="0"/>
-              <a:t>Add screenshot of outline created in airflow UI</a:t>
+              <a:rPr lang="en-US" altLang="zh-CN" dirty="0"/>
+              <a:t>Introduction</a:t>
+            </a:r>
+            <a:r>
+              <a:rPr lang="zh-CN" altLang="en-US" dirty="0"/>
+              <a:t> </a:t>
+            </a:r>
+            <a:r>
+              <a:rPr lang="en-US" altLang="zh-CN" dirty="0"/>
+              <a:t>to</a:t>
+            </a:r>
+            <a:r>
+              <a:rPr lang="zh-CN" altLang="en-US" dirty="0"/>
+              <a:t> </a:t>
+            </a:r>
+            <a:r>
+              <a:rPr lang="en-US" altLang="zh-CN" dirty="0"/>
+              <a:t>Airflow</a:t>
+            </a:r>
+          </a:p>
+          <a:p>
+            <a:pPr lvl="1" eaLnBrk="1" hangingPunct="1">
+              <a:buClr>
+                <a:srgbClr val="CC0000"/>
+              </a:buClr>
+              <a:buFont typeface="Wingdings" charset="2"/>
+              <a:buChar char="§"/>
+              <a:defRPr/>
+            </a:pPr>
+            <a:r>
+              <a:rPr lang="en-US" altLang="zh-CN" dirty="0"/>
+              <a:t>What</a:t>
+            </a:r>
+            <a:r>
+              <a:rPr lang="zh-CN" altLang="en-US" dirty="0"/>
+              <a:t> </a:t>
+            </a:r>
+            <a:r>
+              <a:rPr lang="en-US" altLang="zh-CN" dirty="0"/>
+              <a:t>is</a:t>
+            </a:r>
+            <a:r>
+              <a:rPr lang="zh-CN" altLang="en-US" dirty="0"/>
+              <a:t> </a:t>
+            </a:r>
+            <a:r>
+              <a:rPr lang="en-US" altLang="zh-CN" dirty="0"/>
+              <a:t>Airflow</a:t>
+            </a:r>
+          </a:p>
+          <a:p>
+            <a:pPr lvl="1" eaLnBrk="1" hangingPunct="1">
+              <a:buClr>
+                <a:srgbClr val="CC0000"/>
+              </a:buClr>
+              <a:buFont typeface="Wingdings" charset="2"/>
+              <a:buChar char="§"/>
+              <a:defRPr/>
+            </a:pPr>
+            <a:r>
+              <a:rPr lang="en-US" altLang="en-US" dirty="0"/>
+              <a:t>Airflow Directed Acyclic Graphs (DAG)</a:t>
+            </a:r>
+          </a:p>
+          <a:p>
+            <a:pPr lvl="1" eaLnBrk="1" hangingPunct="1">
+              <a:buClr>
+                <a:srgbClr val="CC0000"/>
+              </a:buClr>
+              <a:buFont typeface="Wingdings" charset="2"/>
+              <a:buChar char="§"/>
+              <a:defRPr/>
+            </a:pPr>
+            <a:r>
+              <a:rPr lang="en-US" altLang="zh-CN" dirty="0"/>
+              <a:t>Airflow</a:t>
+            </a:r>
+            <a:r>
+              <a:rPr lang="zh-CN" altLang="en-US" dirty="0"/>
+              <a:t> </a:t>
+            </a:r>
+            <a:r>
+              <a:rPr lang="en-US" altLang="zh-CN" dirty="0"/>
+              <a:t>UI</a:t>
             </a:r>
             <a:endParaRPr lang="en-US" altLang="en-US" dirty="0"/>
+          </a:p>
+          <a:p>
+            <a:pPr marL="0" indent="0" eaLnBrk="1" hangingPunct="1">
+              <a:buClr>
+                <a:srgbClr val="CC0000"/>
+              </a:buClr>
+              <a:buNone/>
+              <a:defRPr/>
+            </a:pPr>
+            <a:endParaRPr lang="en-US" altLang="en-US" sz="1800" dirty="0"/>
+          </a:p>
+          <a:p>
+            <a:pPr eaLnBrk="1" hangingPunct="1">
+              <a:buClr>
+                <a:srgbClr val="CC0000"/>
+              </a:buClr>
+              <a:buFont typeface="Wingdings" charset="2"/>
+              <a:buChar char="§"/>
+              <a:defRPr/>
+            </a:pPr>
+            <a:r>
+              <a:rPr lang="en-US" altLang="zh-CN" dirty="0"/>
+              <a:t>Demo:</a:t>
+            </a:r>
+            <a:r>
+              <a:rPr lang="zh-CN" altLang="en-US" dirty="0"/>
+              <a:t> </a:t>
+            </a:r>
+            <a:r>
+              <a:rPr lang="en-US" altLang="zh-CN" dirty="0"/>
+              <a:t>Stock</a:t>
+            </a:r>
+            <a:r>
+              <a:rPr lang="zh-CN" altLang="en-US" dirty="0"/>
+              <a:t> </a:t>
+            </a:r>
+            <a:r>
+              <a:rPr lang="en-US" altLang="zh-CN" dirty="0"/>
+              <a:t>prediction</a:t>
+            </a:r>
+            <a:r>
+              <a:rPr lang="zh-CN" altLang="en-US" dirty="0"/>
+              <a:t> </a:t>
+            </a:r>
+            <a:r>
+              <a:rPr lang="en-US" altLang="zh-CN" dirty="0"/>
+              <a:t>with</a:t>
+            </a:r>
+            <a:r>
+              <a:rPr lang="zh-CN" altLang="en-US" dirty="0"/>
+              <a:t> </a:t>
+            </a:r>
+            <a:r>
+              <a:rPr lang="en-US" altLang="zh-CN" dirty="0"/>
+              <a:t>Airflow</a:t>
+            </a:r>
+          </a:p>
+          <a:p>
+            <a:pPr lvl="1" eaLnBrk="1" hangingPunct="1">
+              <a:buClr>
+                <a:srgbClr val="CC0000"/>
+              </a:buClr>
+              <a:buFont typeface="Wingdings" charset="2"/>
+              <a:buChar char="§"/>
+              <a:defRPr/>
+            </a:pPr>
+            <a:r>
+              <a:rPr lang="en-US" altLang="zh-CN" dirty="0"/>
+              <a:t>Strategy</a:t>
+            </a:r>
+          </a:p>
+          <a:p>
+            <a:pPr lvl="1" eaLnBrk="1" hangingPunct="1">
+              <a:buClr>
+                <a:srgbClr val="CC0000"/>
+              </a:buClr>
+              <a:buFont typeface="Wingdings" charset="2"/>
+              <a:buChar char="§"/>
+              <a:defRPr/>
+            </a:pPr>
+            <a:r>
+              <a:rPr lang="en-US" altLang="zh-CN" dirty="0"/>
+              <a:t>DAG</a:t>
+            </a:r>
+          </a:p>
+          <a:p>
+            <a:pPr lvl="1" eaLnBrk="1" hangingPunct="1">
+              <a:buClr>
+                <a:srgbClr val="CC0000"/>
+              </a:buClr>
+              <a:buFont typeface="Wingdings" charset="2"/>
+              <a:buChar char="§"/>
+              <a:defRPr/>
+            </a:pPr>
+            <a:r>
+              <a:rPr lang="en-US" altLang="zh-CN" dirty="0"/>
+              <a:t>Set up the environment</a:t>
+            </a:r>
+          </a:p>
+          <a:p>
+            <a:pPr lvl="1" eaLnBrk="1" hangingPunct="1">
+              <a:buClr>
+                <a:srgbClr val="CC0000"/>
+              </a:buClr>
+              <a:buFont typeface="Wingdings" charset="2"/>
+              <a:buChar char="§"/>
+              <a:defRPr/>
+            </a:pPr>
+            <a:r>
+              <a:rPr lang="en-US" altLang="zh-CN" dirty="0"/>
+              <a:t>Run</a:t>
+            </a:r>
+            <a:r>
+              <a:rPr lang="zh-CN" altLang="en-US" dirty="0"/>
+              <a:t> </a:t>
+            </a:r>
+            <a:r>
+              <a:rPr lang="en-US" altLang="zh-CN" dirty="0"/>
+              <a:t>the</a:t>
+            </a:r>
+            <a:r>
+              <a:rPr lang="zh-CN" altLang="en-US" dirty="0"/>
+              <a:t> </a:t>
+            </a:r>
+            <a:r>
+              <a:rPr lang="en-US" altLang="zh-CN" dirty="0"/>
+              <a:t>demo</a:t>
+            </a:r>
           </a:p>
         </p:txBody>
       </p:sp>
@@ -8362,48 +9954,9 @@
               <a:defRPr/>
             </a:pPr>
             <a:r>
-              <a:rPr lang="en-US" altLang="en-US"/>
-              <a:t>Presentation Title</a:t>
-            </a:r>
-          </a:p>
-        </p:txBody>
-      </p:sp>
-      <p:sp>
-        <p:nvSpPr>
-          <p:cNvPr id="6" name="Date Placeholder 4">
-            <a:extLst>
-              <a:ext uri="{FF2B5EF4-FFF2-40B4-BE49-F238E27FC236}">
-                <a16:creationId xmlns:a16="http://schemas.microsoft.com/office/drawing/2014/main" id="{514DEE39-ED7C-656C-2E96-E6D6379FE424}"/>
-              </a:ext>
-            </a:extLst>
-          </p:cNvPr>
-          <p:cNvSpPr>
-            <a:spLocks noGrp="1"/>
-          </p:cNvSpPr>
-          <p:nvPr>
-            <p:ph type="dt" sz="quarter" idx="11"/>
-          </p:nvPr>
-        </p:nvSpPr>
-        <p:spPr/>
-        <p:txBody>
-          <a:bodyPr/>
-          <a:lstStyle/>
-          <a:p>
-            <a:pPr>
-              <a:defRPr/>
-            </a:pPr>
-            <a:r>
-              <a:rPr lang="en-US" altLang="en-US"/>
-              <a:t>2/3/08  </a:t>
-            </a:r>
-            <a:fld id="{82DD7A96-85F9-454B-A1B3-FA2F0A06CD82}" type="slidenum">
-              <a:rPr lang="en-US" altLang="en-US"/>
-              <a:pPr>
-                <a:defRPr/>
-              </a:pPr>
-              <a:t>3</a:t>
-            </a:fld>
-            <a:endParaRPr lang="en-US" altLang="en-US" baseline="0"/>
+              <a:rPr lang="en-US" altLang="en-US" dirty="0"/>
+              <a:t>Apache Airflow and Workflow Management in Predicting Stocks</a:t>
+            </a:r>
           </a:p>
         </p:txBody>
       </p:sp>
@@ -9489,48 +11042,9 @@
               <a:defRPr/>
             </a:pPr>
             <a:r>
-              <a:rPr lang="en-US" altLang="en-US"/>
-              <a:t>Presentation Title</a:t>
-            </a:r>
-          </a:p>
-        </p:txBody>
-      </p:sp>
-      <p:sp>
-        <p:nvSpPr>
-          <p:cNvPr id="6" name="Date Placeholder 4">
-            <a:extLst>
-              <a:ext uri="{FF2B5EF4-FFF2-40B4-BE49-F238E27FC236}">
-                <a16:creationId xmlns:a16="http://schemas.microsoft.com/office/drawing/2014/main" id="{2EF387C7-C206-B33A-4497-941847AAD5CB}"/>
-              </a:ext>
-            </a:extLst>
-          </p:cNvPr>
-          <p:cNvSpPr>
-            <a:spLocks noGrp="1"/>
-          </p:cNvSpPr>
-          <p:nvPr>
-            <p:ph type="dt" sz="quarter" idx="11"/>
-          </p:nvPr>
-        </p:nvSpPr>
-        <p:spPr/>
-        <p:txBody>
-          <a:bodyPr/>
-          <a:lstStyle/>
-          <a:p>
-            <a:pPr>
-              <a:defRPr/>
-            </a:pPr>
-            <a:r>
-              <a:rPr lang="en-US" altLang="en-US"/>
-              <a:t>2/3/08  </a:t>
-            </a:r>
-            <a:fld id="{82DD7A96-85F9-454B-A1B3-FA2F0A06CD82}" type="slidenum">
-              <a:rPr lang="en-US" altLang="en-US"/>
-              <a:pPr>
-                <a:defRPr/>
-              </a:pPr>
-              <a:t>4</a:t>
-            </a:fld>
-            <a:endParaRPr lang="en-US" altLang="en-US" baseline="0"/>
+              <a:rPr lang="en-US" altLang="en-US" dirty="0"/>
+              <a:t>Apache Airflow and Workflow Management in Predicting Stocks</a:t>
+            </a:r>
           </a:p>
         </p:txBody>
       </p:sp>
@@ -9837,48 +11351,9 @@
               <a:defRPr/>
             </a:pPr>
             <a:r>
-              <a:rPr lang="en-US" altLang="en-US"/>
-              <a:t>Presentation Title</a:t>
-            </a:r>
-          </a:p>
-        </p:txBody>
-      </p:sp>
-      <p:sp>
-        <p:nvSpPr>
-          <p:cNvPr id="6" name="Date Placeholder 4">
-            <a:extLst>
-              <a:ext uri="{FF2B5EF4-FFF2-40B4-BE49-F238E27FC236}">
-                <a16:creationId xmlns:a16="http://schemas.microsoft.com/office/drawing/2014/main" id="{F8D32553-72F8-32CE-EC81-964CD95574D3}"/>
-              </a:ext>
-            </a:extLst>
-          </p:cNvPr>
-          <p:cNvSpPr>
-            <a:spLocks noGrp="1"/>
-          </p:cNvSpPr>
-          <p:nvPr>
-            <p:ph type="dt" sz="quarter" idx="11"/>
-          </p:nvPr>
-        </p:nvSpPr>
-        <p:spPr/>
-        <p:txBody>
-          <a:bodyPr/>
-          <a:lstStyle/>
-          <a:p>
-            <a:pPr>
-              <a:defRPr/>
-            </a:pPr>
-            <a:r>
-              <a:rPr lang="en-US" altLang="en-US"/>
-              <a:t>2/3/08  </a:t>
-            </a:r>
-            <a:fld id="{82DD7A96-85F9-454B-A1B3-FA2F0A06CD82}" type="slidenum">
-              <a:rPr lang="en-US" altLang="en-US"/>
-              <a:pPr>
-                <a:defRPr/>
-              </a:pPr>
-              <a:t>5</a:t>
-            </a:fld>
-            <a:endParaRPr lang="en-US" altLang="en-US" baseline="0"/>
+              <a:rPr lang="en-US" altLang="en-US" dirty="0"/>
+              <a:t>Apache Airflow and Workflow Management in Predicting Stocks</a:t>
+            </a:r>
           </a:p>
         </p:txBody>
       </p:sp>
@@ -10131,48 +11606,9 @@
               <a:defRPr/>
             </a:pPr>
             <a:r>
-              <a:rPr lang="en-US" altLang="en-US"/>
-              <a:t>Presentation Title</a:t>
-            </a:r>
-          </a:p>
-        </p:txBody>
-      </p:sp>
-      <p:sp>
-        <p:nvSpPr>
-          <p:cNvPr id="6" name="Date Placeholder 4">
-            <a:extLst>
-              <a:ext uri="{FF2B5EF4-FFF2-40B4-BE49-F238E27FC236}">
-                <a16:creationId xmlns:a16="http://schemas.microsoft.com/office/drawing/2014/main" id="{A7B9D9A6-C1C4-DD78-3C90-01F9CA5E9830}"/>
-              </a:ext>
-            </a:extLst>
-          </p:cNvPr>
-          <p:cNvSpPr>
-            <a:spLocks noGrp="1"/>
-          </p:cNvSpPr>
-          <p:nvPr>
-            <p:ph type="dt" sz="quarter" idx="11"/>
-          </p:nvPr>
-        </p:nvSpPr>
-        <p:spPr/>
-        <p:txBody>
-          <a:bodyPr/>
-          <a:lstStyle/>
-          <a:p>
-            <a:pPr>
-              <a:defRPr/>
-            </a:pPr>
-            <a:r>
-              <a:rPr lang="en-US" altLang="en-US"/>
-              <a:t>2/3/08  </a:t>
-            </a:r>
-            <a:fld id="{82DD7A96-85F9-454B-A1B3-FA2F0A06CD82}" type="slidenum">
-              <a:rPr lang="en-US" altLang="en-US"/>
-              <a:pPr>
-                <a:defRPr/>
-              </a:pPr>
-              <a:t>6</a:t>
-            </a:fld>
-            <a:endParaRPr lang="en-US" altLang="en-US" baseline="0"/>
+              <a:rPr lang="en-US" altLang="en-US" dirty="0"/>
+              <a:t>Apache Airflow and Workflow Management in Predicting Stocks</a:t>
+            </a:r>
           </a:p>
         </p:txBody>
       </p:sp>
@@ -10650,48 +12086,9 @@
               <a:defRPr/>
             </a:pPr>
             <a:r>
-              <a:rPr lang="en-US" altLang="en-US"/>
-              <a:t>Presentation Title</a:t>
-            </a:r>
-          </a:p>
-        </p:txBody>
-      </p:sp>
-      <p:sp>
-        <p:nvSpPr>
-          <p:cNvPr id="6" name="Date Placeholder 4">
-            <a:extLst>
-              <a:ext uri="{FF2B5EF4-FFF2-40B4-BE49-F238E27FC236}">
-                <a16:creationId xmlns:a16="http://schemas.microsoft.com/office/drawing/2014/main" id="{5CAD6D98-71E3-12A4-026C-3F37056CA72F}"/>
-              </a:ext>
-            </a:extLst>
-          </p:cNvPr>
-          <p:cNvSpPr>
-            <a:spLocks noGrp="1"/>
-          </p:cNvSpPr>
-          <p:nvPr>
-            <p:ph type="dt" sz="quarter" idx="11"/>
-          </p:nvPr>
-        </p:nvSpPr>
-        <p:spPr/>
-        <p:txBody>
-          <a:bodyPr/>
-          <a:lstStyle/>
-          <a:p>
-            <a:pPr>
-              <a:defRPr/>
-            </a:pPr>
-            <a:r>
-              <a:rPr lang="en-US" altLang="en-US"/>
-              <a:t>2/3/08  </a:t>
-            </a:r>
-            <a:fld id="{82DD7A96-85F9-454B-A1B3-FA2F0A06CD82}" type="slidenum">
-              <a:rPr lang="en-US" altLang="en-US"/>
-              <a:pPr>
-                <a:defRPr/>
-              </a:pPr>
-              <a:t>7</a:t>
-            </a:fld>
-            <a:endParaRPr lang="en-US" altLang="en-US" baseline="0"/>
+              <a:rPr lang="en-US" altLang="en-US" dirty="0"/>
+              <a:t>Apache Airflow and Workflow Management in Predicting Stocks</a:t>
+            </a:r>
           </a:p>
         </p:txBody>
       </p:sp>
@@ -10927,48 +12324,9 @@
               <a:defRPr/>
             </a:pPr>
             <a:r>
-              <a:rPr lang="en-US" altLang="en-US"/>
-              <a:t>Presentation Title</a:t>
-            </a:r>
-          </a:p>
-        </p:txBody>
-      </p:sp>
-      <p:sp>
-        <p:nvSpPr>
-          <p:cNvPr id="6" name="Date Placeholder 4">
-            <a:extLst>
-              <a:ext uri="{FF2B5EF4-FFF2-40B4-BE49-F238E27FC236}">
-                <a16:creationId xmlns:a16="http://schemas.microsoft.com/office/drawing/2014/main" id="{FDE3836E-6C94-FEB5-8AD8-F9F4DE92681F}"/>
-              </a:ext>
-            </a:extLst>
-          </p:cNvPr>
-          <p:cNvSpPr>
-            <a:spLocks noGrp="1"/>
-          </p:cNvSpPr>
-          <p:nvPr>
-            <p:ph type="dt" sz="quarter" idx="11"/>
-          </p:nvPr>
-        </p:nvSpPr>
-        <p:spPr/>
-        <p:txBody>
-          <a:bodyPr/>
-          <a:lstStyle/>
-          <a:p>
-            <a:pPr>
-              <a:defRPr/>
-            </a:pPr>
-            <a:r>
-              <a:rPr lang="en-US" altLang="en-US"/>
-              <a:t>2/3/08  </a:t>
-            </a:r>
-            <a:fld id="{82DD7A96-85F9-454B-A1B3-FA2F0A06CD82}" type="slidenum">
-              <a:rPr lang="en-US" altLang="en-US"/>
-              <a:pPr>
-                <a:defRPr/>
-              </a:pPr>
-              <a:t>8</a:t>
-            </a:fld>
-            <a:endParaRPr lang="en-US" altLang="en-US" baseline="0"/>
+              <a:rPr lang="en-US" altLang="en-US" dirty="0"/>
+              <a:t>Apache Airflow and Workflow Management in Predicting Stocks</a:t>
+            </a:r>
           </a:p>
         </p:txBody>
       </p:sp>
@@ -11184,48 +12542,9 @@
               <a:defRPr/>
             </a:pPr>
             <a:r>
-              <a:rPr lang="en-US" altLang="en-US"/>
-              <a:t>Presentation Title</a:t>
-            </a:r>
-          </a:p>
-        </p:txBody>
-      </p:sp>
-      <p:sp>
-        <p:nvSpPr>
-          <p:cNvPr id="6" name="Date Placeholder 4">
-            <a:extLst>
-              <a:ext uri="{FF2B5EF4-FFF2-40B4-BE49-F238E27FC236}">
-                <a16:creationId xmlns:a16="http://schemas.microsoft.com/office/drawing/2014/main" id="{E42F795E-D3D4-B7F0-C16F-E3DEAB9131E3}"/>
-              </a:ext>
-            </a:extLst>
-          </p:cNvPr>
-          <p:cNvSpPr>
-            <a:spLocks noGrp="1"/>
-          </p:cNvSpPr>
-          <p:nvPr>
-            <p:ph type="dt" sz="quarter" idx="11"/>
-          </p:nvPr>
-        </p:nvSpPr>
-        <p:spPr/>
-        <p:txBody>
-          <a:bodyPr/>
-          <a:lstStyle/>
-          <a:p>
-            <a:pPr>
-              <a:defRPr/>
-            </a:pPr>
-            <a:r>
-              <a:rPr lang="en-US" altLang="en-US"/>
-              <a:t>2/3/08  </a:t>
-            </a:r>
-            <a:fld id="{82DD7A96-85F9-454B-A1B3-FA2F0A06CD82}" type="slidenum">
-              <a:rPr lang="en-US" altLang="en-US"/>
-              <a:pPr>
-                <a:defRPr/>
-              </a:pPr>
-              <a:t>9</a:t>
-            </a:fld>
-            <a:endParaRPr lang="en-US" altLang="en-US" baseline="0"/>
+              <a:rPr lang="en-US" altLang="en-US" dirty="0"/>
+              <a:t>Apache Airflow and Workflow Management in Predicting Stocks</a:t>
+            </a:r>
           </a:p>
         </p:txBody>
       </p:sp>

--- a/documents/METCS777-Term-Paper--Nguyen-Cao.pptx
+++ b/documents/METCS777-Term-Paper--Nguyen-Cao.pptx
@@ -1983,7 +1983,7 @@
             <a:pPr eaLnBrk="1" hangingPunct="1">
               <a:defRPr/>
             </a:pPr>
-            <a:endParaRPr lang="en-US" altLang="en-US"/>
+            <a:endParaRPr lang="en-US" altLang="en-US" dirty="0"/>
           </a:p>
         </p:txBody>
       </p:sp>
@@ -6786,6 +6786,76 @@
           </a:p>
         </p:txBody>
       </p:sp>
+      <p:sp>
+        <p:nvSpPr>
+          <p:cNvPr id="2" name="矩形 1">
+            <a:extLst>
+              <a:ext uri="{FF2B5EF4-FFF2-40B4-BE49-F238E27FC236}">
+                <a16:creationId xmlns:a16="http://schemas.microsoft.com/office/drawing/2014/main" id="{17A10D07-011E-94CA-1746-616713D03537}"/>
+              </a:ext>
+            </a:extLst>
+          </p:cNvPr>
+          <p:cNvSpPr/>
+          <p:nvPr/>
+        </p:nvSpPr>
+        <p:spPr bwMode="auto">
+          <a:xfrm>
+            <a:off x="457200" y="6019800"/>
+            <a:ext cx="3581400" cy="533400"/>
+          </a:xfrm>
+          <a:prstGeom prst="rect">
+            <a:avLst/>
+          </a:prstGeom>
+          <a:solidFill>
+            <a:schemeClr val="bg1"/>
+          </a:solidFill>
+          <a:ln w="9525" cap="flat" cmpd="sng" algn="ctr">
+            <a:noFill/>
+            <a:prstDash val="solid"/>
+            <a:round/>
+            <a:headEnd type="none" w="med" len="med"/>
+            <a:tailEnd type="none" w="med" len="med"/>
+          </a:ln>
+          <a:effectLst/>
+        </p:spPr>
+        <p:txBody>
+          <a:bodyPr vert="horz" wrap="square" lIns="91440" tIns="45720" rIns="91440" bIns="45720" numCol="1" rtlCol="0" anchor="t" anchorCtr="0" compatLnSpc="1">
+            <a:prstTxWarp prst="textNoShape">
+              <a:avLst/>
+            </a:prstTxWarp>
+          </a:bodyPr>
+          <a:lstStyle/>
+          <a:p>
+            <a:pPr marL="0" marR="0" indent="0" algn="l" defTabSz="914400" rtl="0" eaLnBrk="0" fontAlgn="base" latinLnBrk="0" hangingPunct="0">
+              <a:lnSpc>
+                <a:spcPct val="100000"/>
+              </a:lnSpc>
+              <a:spcBef>
+                <a:spcPct val="0"/>
+              </a:spcBef>
+              <a:spcAft>
+                <a:spcPct val="0"/>
+              </a:spcAft>
+              <a:buClrTx/>
+              <a:buSzTx/>
+              <a:buFontTx/>
+              <a:buNone/>
+              <a:tabLst/>
+            </a:pPr>
+            <a:endParaRPr kumimoji="0" lang="zh-CN" altLang="en-US" sz="2400" b="0" i="0" u="none" strike="noStrike" cap="none" normalizeH="0" baseline="0">
+              <a:ln>
+                <a:noFill/>
+              </a:ln>
+              <a:solidFill>
+                <a:schemeClr val="tx1"/>
+              </a:solidFill>
+              <a:effectLst/>
+              <a:latin typeface="Arial" charset="0"/>
+              <a:ea typeface="Osaka" charset="0"/>
+            </a:endParaRPr>
+          </a:p>
+        </p:txBody>
+      </p:sp>
     </p:spTree>
   </p:cSld>
   <p:clrMapOvr>
@@ -7031,6 +7101,76 @@
               <a:rPr lang="en-US" sz="1000" dirty="0"/>
               <a:t>Image source: (Airflow, 2024)</a:t>
             </a:r>
+          </a:p>
+        </p:txBody>
+      </p:sp>
+      <p:sp>
+        <p:nvSpPr>
+          <p:cNvPr id="3" name="矩形 2">
+            <a:extLst>
+              <a:ext uri="{FF2B5EF4-FFF2-40B4-BE49-F238E27FC236}">
+                <a16:creationId xmlns:a16="http://schemas.microsoft.com/office/drawing/2014/main" id="{7C203759-D37F-3D52-9BF4-922B158CA79D}"/>
+              </a:ext>
+            </a:extLst>
+          </p:cNvPr>
+          <p:cNvSpPr/>
+          <p:nvPr/>
+        </p:nvSpPr>
+        <p:spPr bwMode="auto">
+          <a:xfrm>
+            <a:off x="457200" y="6172200"/>
+            <a:ext cx="3581400" cy="381000"/>
+          </a:xfrm>
+          <a:prstGeom prst="rect">
+            <a:avLst/>
+          </a:prstGeom>
+          <a:solidFill>
+            <a:schemeClr val="bg1"/>
+          </a:solidFill>
+          <a:ln w="9525" cap="flat" cmpd="sng" algn="ctr">
+            <a:noFill/>
+            <a:prstDash val="solid"/>
+            <a:round/>
+            <a:headEnd type="none" w="med" len="med"/>
+            <a:tailEnd type="none" w="med" len="med"/>
+          </a:ln>
+          <a:effectLst/>
+        </p:spPr>
+        <p:txBody>
+          <a:bodyPr vert="horz" wrap="square" lIns="91440" tIns="45720" rIns="91440" bIns="45720" numCol="1" rtlCol="0" anchor="t" anchorCtr="0" compatLnSpc="1">
+            <a:prstTxWarp prst="textNoShape">
+              <a:avLst/>
+            </a:prstTxWarp>
+          </a:bodyPr>
+          <a:lstStyle/>
+          <a:p>
+            <a:pPr marL="0" marR="0" indent="0" algn="l" defTabSz="914400" rtl="0" eaLnBrk="0" fontAlgn="base" latinLnBrk="0" hangingPunct="0">
+              <a:lnSpc>
+                <a:spcPct val="100000"/>
+              </a:lnSpc>
+              <a:spcBef>
+                <a:spcPct val="0"/>
+              </a:spcBef>
+              <a:spcAft>
+                <a:spcPct val="0"/>
+              </a:spcAft>
+              <a:buClrTx/>
+              <a:buSzTx/>
+              <a:buFontTx/>
+              <a:buNone/>
+              <a:tabLst/>
+            </a:pPr>
+            <a:endParaRPr kumimoji="0" lang="zh-CN" altLang="en-US" sz="2400" b="0" i="0" u="none" strike="noStrike" cap="none" normalizeH="0" baseline="0">
+              <a:ln>
+                <a:noFill/>
+              </a:ln>
+              <a:solidFill>
+                <a:schemeClr val="tx1"/>
+              </a:solidFill>
+              <a:effectLst/>
+              <a:latin typeface="Arial" charset="0"/>
+              <a:ea typeface="Osaka" charset="0"/>
+            </a:endParaRPr>
           </a:p>
         </p:txBody>
       </p:sp>
@@ -8125,8 +8265,8 @@
           </a:p>
         </p:txBody>
       </p:sp>
-      <mc:AlternateContent xmlns:mc="http://schemas.openxmlformats.org/markup-compatibility/2006">
-        <mc:Choice xmlns:p14="http://schemas.microsoft.com/office/powerpoint/2010/main" Requires="p14">
+      <mc:AlternateContent xmlns:mc="http://schemas.openxmlformats.org/markup-compatibility/2006" xmlns:p14="http://schemas.microsoft.com/office/powerpoint/2010/main">
+        <mc:Choice Requires="p14">
           <p:contentPart p14:bwMode="auto" r:id="rId7">
             <p14:nvContentPartPr>
               <p14:cNvPr id="29" name="墨迹 28">
@@ -8145,7 +8285,7 @@
             </p14:xfrm>
           </p:contentPart>
         </mc:Choice>
-        <mc:Fallback>
+        <mc:Fallback xmlns="">
           <p:pic>
             <p:nvPicPr>
               <p:cNvPr id="29" name="墨迹 28">
@@ -8196,8 +8336,8 @@
             <a:chExt cx="255240" cy="101880"/>
           </a:xfrm>
         </p:grpSpPr>
-        <mc:AlternateContent xmlns:mc="http://schemas.openxmlformats.org/markup-compatibility/2006">
-          <mc:Choice xmlns:p14="http://schemas.microsoft.com/office/powerpoint/2010/main" Requires="p14">
+        <mc:AlternateContent xmlns:mc="http://schemas.openxmlformats.org/markup-compatibility/2006" xmlns:p14="http://schemas.microsoft.com/office/powerpoint/2010/main">
+          <mc:Choice Requires="p14">
             <p:contentPart p14:bwMode="auto" r:id="rId9">
               <p14:nvContentPartPr>
                 <p14:cNvPr id="30" name="墨迹 29">
@@ -8216,7 +8356,7 @@
               </p14:xfrm>
             </p:contentPart>
           </mc:Choice>
-          <mc:Fallback>
+          <mc:Fallback xmlns="">
             <p:pic>
               <p:nvPicPr>
                 <p:cNvPr id="30" name="墨迹 29">
@@ -8247,8 +8387,8 @@
             </p:pic>
           </mc:Fallback>
         </mc:AlternateContent>
-        <mc:AlternateContent xmlns:mc="http://schemas.openxmlformats.org/markup-compatibility/2006">
-          <mc:Choice xmlns:p14="http://schemas.microsoft.com/office/powerpoint/2010/main" Requires="p14">
+        <mc:AlternateContent xmlns:mc="http://schemas.openxmlformats.org/markup-compatibility/2006" xmlns:p14="http://schemas.microsoft.com/office/powerpoint/2010/main">
+          <mc:Choice Requires="p14">
             <p:contentPart p14:bwMode="auto" r:id="rId11">
               <p14:nvContentPartPr>
                 <p14:cNvPr id="31" name="墨迹 30">
@@ -8267,7 +8407,7 @@
               </p14:xfrm>
             </p:contentPart>
           </mc:Choice>
-          <mc:Fallback>
+          <mc:Fallback xmlns="">
             <p:pic>
               <p:nvPicPr>
                 <p:cNvPr id="31" name="墨迹 30">
@@ -8352,6 +8492,76 @@
           </a:extLst>
         </p:spPr>
       </p:cxnSp>
+      <p:sp>
+        <p:nvSpPr>
+          <p:cNvPr id="2" name="矩形 1">
+            <a:extLst>
+              <a:ext uri="{FF2B5EF4-FFF2-40B4-BE49-F238E27FC236}">
+                <a16:creationId xmlns:a16="http://schemas.microsoft.com/office/drawing/2014/main" id="{2ED21B86-F5DB-4805-3A98-D2FD7F328202}"/>
+              </a:ext>
+            </a:extLst>
+          </p:cNvPr>
+          <p:cNvSpPr/>
+          <p:nvPr/>
+        </p:nvSpPr>
+        <p:spPr bwMode="auto">
+          <a:xfrm>
+            <a:off x="457200" y="6172200"/>
+            <a:ext cx="3581400" cy="381000"/>
+          </a:xfrm>
+          <a:prstGeom prst="rect">
+            <a:avLst/>
+          </a:prstGeom>
+          <a:solidFill>
+            <a:schemeClr val="bg1"/>
+          </a:solidFill>
+          <a:ln w="9525" cap="flat" cmpd="sng" algn="ctr">
+            <a:noFill/>
+            <a:prstDash val="solid"/>
+            <a:round/>
+            <a:headEnd type="none" w="med" len="med"/>
+            <a:tailEnd type="none" w="med" len="med"/>
+          </a:ln>
+          <a:effectLst/>
+        </p:spPr>
+        <p:txBody>
+          <a:bodyPr vert="horz" wrap="square" lIns="91440" tIns="45720" rIns="91440" bIns="45720" numCol="1" rtlCol="0" anchor="t" anchorCtr="0" compatLnSpc="1">
+            <a:prstTxWarp prst="textNoShape">
+              <a:avLst/>
+            </a:prstTxWarp>
+          </a:bodyPr>
+          <a:lstStyle/>
+          <a:p>
+            <a:pPr marL="0" marR="0" indent="0" algn="l" defTabSz="914400" rtl="0" eaLnBrk="0" fontAlgn="base" latinLnBrk="0" hangingPunct="0">
+              <a:lnSpc>
+                <a:spcPct val="100000"/>
+              </a:lnSpc>
+              <a:spcBef>
+                <a:spcPct val="0"/>
+              </a:spcBef>
+              <a:spcAft>
+                <a:spcPct val="0"/>
+              </a:spcAft>
+              <a:buClrTx/>
+              <a:buSzTx/>
+              <a:buFontTx/>
+              <a:buNone/>
+              <a:tabLst/>
+            </a:pPr>
+            <a:endParaRPr kumimoji="0" lang="zh-CN" altLang="en-US" sz="2400" b="0" i="0" u="none" strike="noStrike" cap="none" normalizeH="0" baseline="0">
+              <a:ln>
+                <a:noFill/>
+              </a:ln>
+              <a:solidFill>
+                <a:schemeClr val="tx1"/>
+              </a:solidFill>
+              <a:effectLst/>
+              <a:latin typeface="Arial" charset="0"/>
+              <a:ea typeface="Osaka" charset="0"/>
+            </a:endParaRPr>
+          </a:p>
+        </p:txBody>
+      </p:sp>
     </p:spTree>
     <p:extLst>
       <p:ext uri="{BB962C8B-B14F-4D97-AF65-F5344CB8AC3E}">
@@ -9040,6 +9250,76 @@
           </a:p>
         </p:txBody>
       </p:sp>
+      <p:sp>
+        <p:nvSpPr>
+          <p:cNvPr id="3" name="矩形 2">
+            <a:extLst>
+              <a:ext uri="{FF2B5EF4-FFF2-40B4-BE49-F238E27FC236}">
+                <a16:creationId xmlns:a16="http://schemas.microsoft.com/office/drawing/2014/main" id="{004F5941-2939-8B7A-C9A7-8292504DEEFC}"/>
+              </a:ext>
+            </a:extLst>
+          </p:cNvPr>
+          <p:cNvSpPr/>
+          <p:nvPr/>
+        </p:nvSpPr>
+        <p:spPr bwMode="auto">
+          <a:xfrm>
+            <a:off x="457200" y="6172200"/>
+            <a:ext cx="3581400" cy="381000"/>
+          </a:xfrm>
+          <a:prstGeom prst="rect">
+            <a:avLst/>
+          </a:prstGeom>
+          <a:solidFill>
+            <a:schemeClr val="bg1"/>
+          </a:solidFill>
+          <a:ln w="9525" cap="flat" cmpd="sng" algn="ctr">
+            <a:noFill/>
+            <a:prstDash val="solid"/>
+            <a:round/>
+            <a:headEnd type="none" w="med" len="med"/>
+            <a:tailEnd type="none" w="med" len="med"/>
+          </a:ln>
+          <a:effectLst/>
+        </p:spPr>
+        <p:txBody>
+          <a:bodyPr vert="horz" wrap="square" lIns="91440" tIns="45720" rIns="91440" bIns="45720" numCol="1" rtlCol="0" anchor="t" anchorCtr="0" compatLnSpc="1">
+            <a:prstTxWarp prst="textNoShape">
+              <a:avLst/>
+            </a:prstTxWarp>
+          </a:bodyPr>
+          <a:lstStyle/>
+          <a:p>
+            <a:pPr marL="0" marR="0" indent="0" algn="l" defTabSz="914400" rtl="0" eaLnBrk="0" fontAlgn="base" latinLnBrk="0" hangingPunct="0">
+              <a:lnSpc>
+                <a:spcPct val="100000"/>
+              </a:lnSpc>
+              <a:spcBef>
+                <a:spcPct val="0"/>
+              </a:spcBef>
+              <a:spcAft>
+                <a:spcPct val="0"/>
+              </a:spcAft>
+              <a:buClrTx/>
+              <a:buSzTx/>
+              <a:buFontTx/>
+              <a:buNone/>
+              <a:tabLst/>
+            </a:pPr>
+            <a:endParaRPr kumimoji="0" lang="zh-CN" altLang="en-US" sz="2400" b="0" i="0" u="none" strike="noStrike" cap="none" normalizeH="0" baseline="0">
+              <a:ln>
+                <a:noFill/>
+              </a:ln>
+              <a:solidFill>
+                <a:schemeClr val="tx1"/>
+              </a:solidFill>
+              <a:effectLst/>
+              <a:latin typeface="Arial" charset="0"/>
+              <a:ea typeface="Osaka" charset="0"/>
+            </a:endParaRPr>
+          </a:p>
+        </p:txBody>
+      </p:sp>
     </p:spTree>
     <p:extLst>
       <p:ext uri="{BB962C8B-B14F-4D97-AF65-F5344CB8AC3E}">
@@ -9296,6 +9576,76 @@
           </a:p>
         </p:txBody>
       </p:sp>
+      <p:sp>
+        <p:nvSpPr>
+          <p:cNvPr id="2" name="矩形 1">
+            <a:extLst>
+              <a:ext uri="{FF2B5EF4-FFF2-40B4-BE49-F238E27FC236}">
+                <a16:creationId xmlns:a16="http://schemas.microsoft.com/office/drawing/2014/main" id="{4502F8C4-FC4F-9620-49EC-500C235BB1B0}"/>
+              </a:ext>
+            </a:extLst>
+          </p:cNvPr>
+          <p:cNvSpPr/>
+          <p:nvPr/>
+        </p:nvSpPr>
+        <p:spPr bwMode="auto">
+          <a:xfrm>
+            <a:off x="457200" y="6172200"/>
+            <a:ext cx="3581400" cy="381000"/>
+          </a:xfrm>
+          <a:prstGeom prst="rect">
+            <a:avLst/>
+          </a:prstGeom>
+          <a:solidFill>
+            <a:schemeClr val="bg1"/>
+          </a:solidFill>
+          <a:ln w="9525" cap="flat" cmpd="sng" algn="ctr">
+            <a:noFill/>
+            <a:prstDash val="solid"/>
+            <a:round/>
+            <a:headEnd type="none" w="med" len="med"/>
+            <a:tailEnd type="none" w="med" len="med"/>
+          </a:ln>
+          <a:effectLst/>
+        </p:spPr>
+        <p:txBody>
+          <a:bodyPr vert="horz" wrap="square" lIns="91440" tIns="45720" rIns="91440" bIns="45720" numCol="1" rtlCol="0" anchor="t" anchorCtr="0" compatLnSpc="1">
+            <a:prstTxWarp prst="textNoShape">
+              <a:avLst/>
+            </a:prstTxWarp>
+          </a:bodyPr>
+          <a:lstStyle/>
+          <a:p>
+            <a:pPr marL="0" marR="0" indent="0" algn="l" defTabSz="914400" rtl="0" eaLnBrk="0" fontAlgn="base" latinLnBrk="0" hangingPunct="0">
+              <a:lnSpc>
+                <a:spcPct val="100000"/>
+              </a:lnSpc>
+              <a:spcBef>
+                <a:spcPct val="0"/>
+              </a:spcBef>
+              <a:spcAft>
+                <a:spcPct val="0"/>
+              </a:spcAft>
+              <a:buClrTx/>
+              <a:buSzTx/>
+              <a:buFontTx/>
+              <a:buNone/>
+              <a:tabLst/>
+            </a:pPr>
+            <a:endParaRPr kumimoji="0" lang="zh-CN" altLang="en-US" sz="2400" b="0" i="0" u="none" strike="noStrike" cap="none" normalizeH="0" baseline="0">
+              <a:ln>
+                <a:noFill/>
+              </a:ln>
+              <a:solidFill>
+                <a:schemeClr val="tx1"/>
+              </a:solidFill>
+              <a:effectLst/>
+              <a:latin typeface="Arial" charset="0"/>
+              <a:ea typeface="Osaka" charset="0"/>
+            </a:endParaRPr>
+          </a:p>
+        </p:txBody>
+      </p:sp>
     </p:spTree>
     <p:extLst>
       <p:ext uri="{BB962C8B-B14F-4D97-AF65-F5344CB8AC3E}">
@@ -9484,6 +9834,76 @@
           </a:extLst>
         </p:spPr>
       </p:pic>
+      <p:sp>
+        <p:nvSpPr>
+          <p:cNvPr id="2" name="矩形 1">
+            <a:extLst>
+              <a:ext uri="{FF2B5EF4-FFF2-40B4-BE49-F238E27FC236}">
+                <a16:creationId xmlns:a16="http://schemas.microsoft.com/office/drawing/2014/main" id="{44ABB3C7-3F38-DE0E-858D-41442AF52B91}"/>
+              </a:ext>
+            </a:extLst>
+          </p:cNvPr>
+          <p:cNvSpPr/>
+          <p:nvPr/>
+        </p:nvSpPr>
+        <p:spPr bwMode="auto">
+          <a:xfrm>
+            <a:off x="457200" y="6172200"/>
+            <a:ext cx="3581400" cy="381000"/>
+          </a:xfrm>
+          <a:prstGeom prst="rect">
+            <a:avLst/>
+          </a:prstGeom>
+          <a:solidFill>
+            <a:schemeClr val="bg1"/>
+          </a:solidFill>
+          <a:ln w="9525" cap="flat" cmpd="sng" algn="ctr">
+            <a:noFill/>
+            <a:prstDash val="solid"/>
+            <a:round/>
+            <a:headEnd type="none" w="med" len="med"/>
+            <a:tailEnd type="none" w="med" len="med"/>
+          </a:ln>
+          <a:effectLst/>
+        </p:spPr>
+        <p:txBody>
+          <a:bodyPr vert="horz" wrap="square" lIns="91440" tIns="45720" rIns="91440" bIns="45720" numCol="1" rtlCol="0" anchor="t" anchorCtr="0" compatLnSpc="1">
+            <a:prstTxWarp prst="textNoShape">
+              <a:avLst/>
+            </a:prstTxWarp>
+          </a:bodyPr>
+          <a:lstStyle/>
+          <a:p>
+            <a:pPr marL="0" marR="0" indent="0" algn="l" defTabSz="914400" rtl="0" eaLnBrk="0" fontAlgn="base" latinLnBrk="0" hangingPunct="0">
+              <a:lnSpc>
+                <a:spcPct val="100000"/>
+              </a:lnSpc>
+              <a:spcBef>
+                <a:spcPct val="0"/>
+              </a:spcBef>
+              <a:spcAft>
+                <a:spcPct val="0"/>
+              </a:spcAft>
+              <a:buClrTx/>
+              <a:buSzTx/>
+              <a:buFontTx/>
+              <a:buNone/>
+              <a:tabLst/>
+            </a:pPr>
+            <a:endParaRPr kumimoji="0" lang="zh-CN" altLang="en-US" sz="2400" b="0" i="0" u="none" strike="noStrike" cap="none" normalizeH="0" baseline="0">
+              <a:ln>
+                <a:noFill/>
+              </a:ln>
+              <a:solidFill>
+                <a:schemeClr val="tx1"/>
+              </a:solidFill>
+              <a:effectLst/>
+              <a:latin typeface="Arial" charset="0"/>
+              <a:ea typeface="Osaka" charset="0"/>
+            </a:endParaRPr>
+          </a:p>
+        </p:txBody>
+      </p:sp>
     </p:spTree>
     <p:extLst>
       <p:ext uri="{BB962C8B-B14F-4D97-AF65-F5344CB8AC3E}">
@@ -9892,6 +10312,76 @@
               <a:defRPr/>
             </a:pPr>
             <a:endParaRPr lang="en-US" altLang="en-US">
+              <a:latin typeface="Arial" charset="0"/>
+              <a:ea typeface="Osaka" charset="0"/>
+            </a:endParaRPr>
+          </a:p>
+        </p:txBody>
+      </p:sp>
+      <p:sp>
+        <p:nvSpPr>
+          <p:cNvPr id="2" name="矩形 1">
+            <a:extLst>
+              <a:ext uri="{FF2B5EF4-FFF2-40B4-BE49-F238E27FC236}">
+                <a16:creationId xmlns:a16="http://schemas.microsoft.com/office/drawing/2014/main" id="{D1CE0ED6-89CA-C103-C2CF-B8B2472BCB92}"/>
+              </a:ext>
+            </a:extLst>
+          </p:cNvPr>
+          <p:cNvSpPr/>
+          <p:nvPr/>
+        </p:nvSpPr>
+        <p:spPr bwMode="auto">
+          <a:xfrm>
+            <a:off x="457200" y="6019800"/>
+            <a:ext cx="3581400" cy="533400"/>
+          </a:xfrm>
+          <a:prstGeom prst="rect">
+            <a:avLst/>
+          </a:prstGeom>
+          <a:solidFill>
+            <a:schemeClr val="bg1"/>
+          </a:solidFill>
+          <a:ln w="9525" cap="flat" cmpd="sng" algn="ctr">
+            <a:noFill/>
+            <a:prstDash val="solid"/>
+            <a:round/>
+            <a:headEnd type="none" w="med" len="med"/>
+            <a:tailEnd type="none" w="med" len="med"/>
+          </a:ln>
+          <a:effectLst/>
+        </p:spPr>
+        <p:txBody>
+          <a:bodyPr vert="horz" wrap="square" lIns="91440" tIns="45720" rIns="91440" bIns="45720" numCol="1" rtlCol="0" anchor="t" anchorCtr="0" compatLnSpc="1">
+            <a:prstTxWarp prst="textNoShape">
+              <a:avLst/>
+            </a:prstTxWarp>
+          </a:bodyPr>
+          <a:lstStyle/>
+          <a:p>
+            <a:pPr marL="0" marR="0" indent="0" algn="l" defTabSz="914400" rtl="0" eaLnBrk="0" fontAlgn="base" latinLnBrk="0" hangingPunct="0">
+              <a:lnSpc>
+                <a:spcPct val="100000"/>
+              </a:lnSpc>
+              <a:spcBef>
+                <a:spcPct val="0"/>
+              </a:spcBef>
+              <a:spcAft>
+                <a:spcPct val="0"/>
+              </a:spcAft>
+              <a:buClrTx/>
+              <a:buSzTx/>
+              <a:buFontTx/>
+              <a:buNone/>
+              <a:tabLst/>
+            </a:pPr>
+            <a:endParaRPr kumimoji="0" lang="zh-CN" altLang="en-US" sz="2400" b="0" i="0" u="none" strike="noStrike" cap="none" normalizeH="0" baseline="0">
+              <a:ln>
+                <a:noFill/>
+              </a:ln>
+              <a:solidFill>
+                <a:schemeClr val="tx1"/>
+              </a:solidFill>
+              <a:effectLst/>
               <a:latin typeface="Arial" charset="0"/>
               <a:ea typeface="Osaka" charset="0"/>
             </a:endParaRPr>
@@ -10852,6 +11342,76 @@
           </a:extLst>
         </p:spPr>
       </p:pic>
+      <p:sp>
+        <p:nvSpPr>
+          <p:cNvPr id="6" name="矩形 5">
+            <a:extLst>
+              <a:ext uri="{FF2B5EF4-FFF2-40B4-BE49-F238E27FC236}">
+                <a16:creationId xmlns:a16="http://schemas.microsoft.com/office/drawing/2014/main" id="{BB2764E9-836C-390E-7377-03EEBA3FF5F2}"/>
+              </a:ext>
+            </a:extLst>
+          </p:cNvPr>
+          <p:cNvSpPr/>
+          <p:nvPr/>
+        </p:nvSpPr>
+        <p:spPr bwMode="auto">
+          <a:xfrm>
+            <a:off x="457200" y="6172200"/>
+            <a:ext cx="3581400" cy="381000"/>
+          </a:xfrm>
+          <a:prstGeom prst="rect">
+            <a:avLst/>
+          </a:prstGeom>
+          <a:solidFill>
+            <a:schemeClr val="bg1"/>
+          </a:solidFill>
+          <a:ln w="9525" cap="flat" cmpd="sng" algn="ctr">
+            <a:noFill/>
+            <a:prstDash val="solid"/>
+            <a:round/>
+            <a:headEnd type="none" w="med" len="med"/>
+            <a:tailEnd type="none" w="med" len="med"/>
+          </a:ln>
+          <a:effectLst/>
+        </p:spPr>
+        <p:txBody>
+          <a:bodyPr vert="horz" wrap="square" lIns="91440" tIns="45720" rIns="91440" bIns="45720" numCol="1" rtlCol="0" anchor="t" anchorCtr="0" compatLnSpc="1">
+            <a:prstTxWarp prst="textNoShape">
+              <a:avLst/>
+            </a:prstTxWarp>
+          </a:bodyPr>
+          <a:lstStyle/>
+          <a:p>
+            <a:pPr marL="0" marR="0" indent="0" algn="l" defTabSz="914400" rtl="0" eaLnBrk="0" fontAlgn="base" latinLnBrk="0" hangingPunct="0">
+              <a:lnSpc>
+                <a:spcPct val="100000"/>
+              </a:lnSpc>
+              <a:spcBef>
+                <a:spcPct val="0"/>
+              </a:spcBef>
+              <a:spcAft>
+                <a:spcPct val="0"/>
+              </a:spcAft>
+              <a:buClrTx/>
+              <a:buSzTx/>
+              <a:buFontTx/>
+              <a:buNone/>
+              <a:tabLst/>
+            </a:pPr>
+            <a:endParaRPr kumimoji="0" lang="zh-CN" altLang="en-US" sz="2400" b="0" i="0" u="none" strike="noStrike" cap="none" normalizeH="0" baseline="0">
+              <a:ln>
+                <a:noFill/>
+              </a:ln>
+              <a:solidFill>
+                <a:schemeClr val="tx1"/>
+              </a:solidFill>
+              <a:effectLst/>
+              <a:latin typeface="Arial" charset="0"/>
+              <a:ea typeface="Osaka" charset="0"/>
+            </a:endParaRPr>
+          </a:p>
+        </p:txBody>
+      </p:sp>
     </p:spTree>
     <p:extLst>
       <p:ext uri="{BB962C8B-B14F-4D97-AF65-F5344CB8AC3E}">
@@ -11290,6 +11850,76 @@
           </a:p>
         </p:txBody>
       </p:sp>
+      <p:sp>
+        <p:nvSpPr>
+          <p:cNvPr id="2" name="矩形 1">
+            <a:extLst>
+              <a:ext uri="{FF2B5EF4-FFF2-40B4-BE49-F238E27FC236}">
+                <a16:creationId xmlns:a16="http://schemas.microsoft.com/office/drawing/2014/main" id="{CC70FF25-C0FE-3F76-8194-D2C1A5D3AEBA}"/>
+              </a:ext>
+            </a:extLst>
+          </p:cNvPr>
+          <p:cNvSpPr/>
+          <p:nvPr/>
+        </p:nvSpPr>
+        <p:spPr bwMode="auto">
+          <a:xfrm>
+            <a:off x="457200" y="6172200"/>
+            <a:ext cx="3581400" cy="381000"/>
+          </a:xfrm>
+          <a:prstGeom prst="rect">
+            <a:avLst/>
+          </a:prstGeom>
+          <a:solidFill>
+            <a:schemeClr val="bg1"/>
+          </a:solidFill>
+          <a:ln w="9525" cap="flat" cmpd="sng" algn="ctr">
+            <a:noFill/>
+            <a:prstDash val="solid"/>
+            <a:round/>
+            <a:headEnd type="none" w="med" len="med"/>
+            <a:tailEnd type="none" w="med" len="med"/>
+          </a:ln>
+          <a:effectLst/>
+        </p:spPr>
+        <p:txBody>
+          <a:bodyPr vert="horz" wrap="square" lIns="91440" tIns="45720" rIns="91440" bIns="45720" numCol="1" rtlCol="0" anchor="t" anchorCtr="0" compatLnSpc="1">
+            <a:prstTxWarp prst="textNoShape">
+              <a:avLst/>
+            </a:prstTxWarp>
+          </a:bodyPr>
+          <a:lstStyle/>
+          <a:p>
+            <a:pPr marL="0" marR="0" indent="0" algn="l" defTabSz="914400" rtl="0" eaLnBrk="0" fontAlgn="base" latinLnBrk="0" hangingPunct="0">
+              <a:lnSpc>
+                <a:spcPct val="100000"/>
+              </a:lnSpc>
+              <a:spcBef>
+                <a:spcPct val="0"/>
+              </a:spcBef>
+              <a:spcAft>
+                <a:spcPct val="0"/>
+              </a:spcAft>
+              <a:buClrTx/>
+              <a:buSzTx/>
+              <a:buFontTx/>
+              <a:buNone/>
+              <a:tabLst/>
+            </a:pPr>
+            <a:endParaRPr kumimoji="0" lang="zh-CN" altLang="en-US" sz="2400" b="0" i="0" u="none" strike="noStrike" cap="none" normalizeH="0" baseline="0">
+              <a:ln>
+                <a:noFill/>
+              </a:ln>
+              <a:solidFill>
+                <a:schemeClr val="tx1"/>
+              </a:solidFill>
+              <a:effectLst/>
+              <a:latin typeface="Arial" charset="0"/>
+              <a:ea typeface="Osaka" charset="0"/>
+            </a:endParaRPr>
+          </a:p>
+        </p:txBody>
+      </p:sp>
     </p:spTree>
     <p:extLst>
       <p:ext uri="{BB962C8B-B14F-4D97-AF65-F5344CB8AC3E}">
@@ -11545,6 +12175,76 @@
           </a:p>
         </p:txBody>
       </p:sp>
+      <p:sp>
+        <p:nvSpPr>
+          <p:cNvPr id="3" name="矩形 2">
+            <a:extLst>
+              <a:ext uri="{FF2B5EF4-FFF2-40B4-BE49-F238E27FC236}">
+                <a16:creationId xmlns:a16="http://schemas.microsoft.com/office/drawing/2014/main" id="{D302A015-0B8A-A5A9-36CB-D44BE536F7A7}"/>
+              </a:ext>
+            </a:extLst>
+          </p:cNvPr>
+          <p:cNvSpPr/>
+          <p:nvPr/>
+        </p:nvSpPr>
+        <p:spPr bwMode="auto">
+          <a:xfrm>
+            <a:off x="457200" y="6172200"/>
+            <a:ext cx="3581400" cy="381000"/>
+          </a:xfrm>
+          <a:prstGeom prst="rect">
+            <a:avLst/>
+          </a:prstGeom>
+          <a:solidFill>
+            <a:schemeClr val="bg1"/>
+          </a:solidFill>
+          <a:ln w="9525" cap="flat" cmpd="sng" algn="ctr">
+            <a:noFill/>
+            <a:prstDash val="solid"/>
+            <a:round/>
+            <a:headEnd type="none" w="med" len="med"/>
+            <a:tailEnd type="none" w="med" len="med"/>
+          </a:ln>
+          <a:effectLst/>
+        </p:spPr>
+        <p:txBody>
+          <a:bodyPr vert="horz" wrap="square" lIns="91440" tIns="45720" rIns="91440" bIns="45720" numCol="1" rtlCol="0" anchor="t" anchorCtr="0" compatLnSpc="1">
+            <a:prstTxWarp prst="textNoShape">
+              <a:avLst/>
+            </a:prstTxWarp>
+          </a:bodyPr>
+          <a:lstStyle/>
+          <a:p>
+            <a:pPr marL="0" marR="0" indent="0" algn="l" defTabSz="914400" rtl="0" eaLnBrk="0" fontAlgn="base" latinLnBrk="0" hangingPunct="0">
+              <a:lnSpc>
+                <a:spcPct val="100000"/>
+              </a:lnSpc>
+              <a:spcBef>
+                <a:spcPct val="0"/>
+              </a:spcBef>
+              <a:spcAft>
+                <a:spcPct val="0"/>
+              </a:spcAft>
+              <a:buClrTx/>
+              <a:buSzTx/>
+              <a:buFontTx/>
+              <a:buNone/>
+              <a:tabLst/>
+            </a:pPr>
+            <a:endParaRPr kumimoji="0" lang="zh-CN" altLang="en-US" sz="2400" b="0" i="0" u="none" strike="noStrike" cap="none" normalizeH="0" baseline="0">
+              <a:ln>
+                <a:noFill/>
+              </a:ln>
+              <a:solidFill>
+                <a:schemeClr val="tx1"/>
+              </a:solidFill>
+              <a:effectLst/>
+              <a:latin typeface="Arial" charset="0"/>
+              <a:ea typeface="Osaka" charset="0"/>
+            </a:endParaRPr>
+          </a:p>
+        </p:txBody>
+      </p:sp>
     </p:spTree>
     <p:extLst>
       <p:ext uri="{BB962C8B-B14F-4D97-AF65-F5344CB8AC3E}">
@@ -11810,6 +12510,76 @@
               <a:rPr lang="en-US" sz="1000" dirty="0"/>
               <a:t>Image source: (Airflow, 2024)</a:t>
             </a:r>
+          </a:p>
+        </p:txBody>
+      </p:sp>
+      <p:sp>
+        <p:nvSpPr>
+          <p:cNvPr id="3" name="矩形 2">
+            <a:extLst>
+              <a:ext uri="{FF2B5EF4-FFF2-40B4-BE49-F238E27FC236}">
+                <a16:creationId xmlns:a16="http://schemas.microsoft.com/office/drawing/2014/main" id="{6C1C90C8-7DD8-75BC-F501-43676653C870}"/>
+              </a:ext>
+            </a:extLst>
+          </p:cNvPr>
+          <p:cNvSpPr/>
+          <p:nvPr/>
+        </p:nvSpPr>
+        <p:spPr bwMode="auto">
+          <a:xfrm>
+            <a:off x="457200" y="6172200"/>
+            <a:ext cx="3581400" cy="381000"/>
+          </a:xfrm>
+          <a:prstGeom prst="rect">
+            <a:avLst/>
+          </a:prstGeom>
+          <a:solidFill>
+            <a:schemeClr val="bg1"/>
+          </a:solidFill>
+          <a:ln w="9525" cap="flat" cmpd="sng" algn="ctr">
+            <a:noFill/>
+            <a:prstDash val="solid"/>
+            <a:round/>
+            <a:headEnd type="none" w="med" len="med"/>
+            <a:tailEnd type="none" w="med" len="med"/>
+          </a:ln>
+          <a:effectLst/>
+        </p:spPr>
+        <p:txBody>
+          <a:bodyPr vert="horz" wrap="square" lIns="91440" tIns="45720" rIns="91440" bIns="45720" numCol="1" rtlCol="0" anchor="t" anchorCtr="0" compatLnSpc="1">
+            <a:prstTxWarp prst="textNoShape">
+              <a:avLst/>
+            </a:prstTxWarp>
+          </a:bodyPr>
+          <a:lstStyle/>
+          <a:p>
+            <a:pPr marL="0" marR="0" indent="0" algn="l" defTabSz="914400" rtl="0" eaLnBrk="0" fontAlgn="base" latinLnBrk="0" hangingPunct="0">
+              <a:lnSpc>
+                <a:spcPct val="100000"/>
+              </a:lnSpc>
+              <a:spcBef>
+                <a:spcPct val="0"/>
+              </a:spcBef>
+              <a:spcAft>
+                <a:spcPct val="0"/>
+              </a:spcAft>
+              <a:buClrTx/>
+              <a:buSzTx/>
+              <a:buFontTx/>
+              <a:buNone/>
+              <a:tabLst/>
+            </a:pPr>
+            <a:endParaRPr kumimoji="0" lang="zh-CN" altLang="en-US" sz="2400" b="0" i="0" u="none" strike="noStrike" cap="none" normalizeH="0" baseline="0">
+              <a:ln>
+                <a:noFill/>
+              </a:ln>
+              <a:solidFill>
+                <a:schemeClr val="tx1"/>
+              </a:solidFill>
+              <a:effectLst/>
+              <a:latin typeface="Arial" charset="0"/>
+              <a:ea typeface="Osaka" charset="0"/>
+            </a:endParaRPr>
           </a:p>
         </p:txBody>
       </p:sp>
@@ -12263,6 +13033,76 @@
           </a:p>
         </p:txBody>
       </p:sp>
+      <p:sp>
+        <p:nvSpPr>
+          <p:cNvPr id="4" name="矩形 3">
+            <a:extLst>
+              <a:ext uri="{FF2B5EF4-FFF2-40B4-BE49-F238E27FC236}">
+                <a16:creationId xmlns:a16="http://schemas.microsoft.com/office/drawing/2014/main" id="{1A201150-79D4-1818-CE12-71EC3DA70C69}"/>
+              </a:ext>
+            </a:extLst>
+          </p:cNvPr>
+          <p:cNvSpPr/>
+          <p:nvPr/>
+        </p:nvSpPr>
+        <p:spPr bwMode="auto">
+          <a:xfrm>
+            <a:off x="457200" y="6172200"/>
+            <a:ext cx="3581400" cy="381000"/>
+          </a:xfrm>
+          <a:prstGeom prst="rect">
+            <a:avLst/>
+          </a:prstGeom>
+          <a:solidFill>
+            <a:schemeClr val="bg1"/>
+          </a:solidFill>
+          <a:ln w="9525" cap="flat" cmpd="sng" algn="ctr">
+            <a:noFill/>
+            <a:prstDash val="solid"/>
+            <a:round/>
+            <a:headEnd type="none" w="med" len="med"/>
+            <a:tailEnd type="none" w="med" len="med"/>
+          </a:ln>
+          <a:effectLst/>
+        </p:spPr>
+        <p:txBody>
+          <a:bodyPr vert="horz" wrap="square" lIns="91440" tIns="45720" rIns="91440" bIns="45720" numCol="1" rtlCol="0" anchor="t" anchorCtr="0" compatLnSpc="1">
+            <a:prstTxWarp prst="textNoShape">
+              <a:avLst/>
+            </a:prstTxWarp>
+          </a:bodyPr>
+          <a:lstStyle/>
+          <a:p>
+            <a:pPr marL="0" marR="0" indent="0" algn="l" defTabSz="914400" rtl="0" eaLnBrk="0" fontAlgn="base" latinLnBrk="0" hangingPunct="0">
+              <a:lnSpc>
+                <a:spcPct val="100000"/>
+              </a:lnSpc>
+              <a:spcBef>
+                <a:spcPct val="0"/>
+              </a:spcBef>
+              <a:spcAft>
+                <a:spcPct val="0"/>
+              </a:spcAft>
+              <a:buClrTx/>
+              <a:buSzTx/>
+              <a:buFontTx/>
+              <a:buNone/>
+              <a:tabLst/>
+            </a:pPr>
+            <a:endParaRPr kumimoji="0" lang="zh-CN" altLang="en-US" sz="2400" b="0" i="0" u="none" strike="noStrike" cap="none" normalizeH="0" baseline="0">
+              <a:ln>
+                <a:noFill/>
+              </a:ln>
+              <a:solidFill>
+                <a:schemeClr val="tx1"/>
+              </a:solidFill>
+              <a:effectLst/>
+              <a:latin typeface="Arial" charset="0"/>
+              <a:ea typeface="Osaka" charset="0"/>
+            </a:endParaRPr>
+          </a:p>
+        </p:txBody>
+      </p:sp>
     </p:spTree>
     <p:extLst>
       <p:ext uri="{BB962C8B-B14F-4D97-AF65-F5344CB8AC3E}">
@@ -12481,6 +13321,76 @@
           </a:extLst>
         </p:spPr>
       </p:pic>
+      <p:sp>
+        <p:nvSpPr>
+          <p:cNvPr id="2" name="矩形 1">
+            <a:extLst>
+              <a:ext uri="{FF2B5EF4-FFF2-40B4-BE49-F238E27FC236}">
+                <a16:creationId xmlns:a16="http://schemas.microsoft.com/office/drawing/2014/main" id="{9B329DBE-4C65-D93E-F2A6-AB8F4DCE3E25}"/>
+              </a:ext>
+            </a:extLst>
+          </p:cNvPr>
+          <p:cNvSpPr/>
+          <p:nvPr/>
+        </p:nvSpPr>
+        <p:spPr bwMode="auto">
+          <a:xfrm>
+            <a:off x="457200" y="6172200"/>
+            <a:ext cx="3581400" cy="381000"/>
+          </a:xfrm>
+          <a:prstGeom prst="rect">
+            <a:avLst/>
+          </a:prstGeom>
+          <a:solidFill>
+            <a:schemeClr val="bg1"/>
+          </a:solidFill>
+          <a:ln w="9525" cap="flat" cmpd="sng" algn="ctr">
+            <a:noFill/>
+            <a:prstDash val="solid"/>
+            <a:round/>
+            <a:headEnd type="none" w="med" len="med"/>
+            <a:tailEnd type="none" w="med" len="med"/>
+          </a:ln>
+          <a:effectLst/>
+        </p:spPr>
+        <p:txBody>
+          <a:bodyPr vert="horz" wrap="square" lIns="91440" tIns="45720" rIns="91440" bIns="45720" numCol="1" rtlCol="0" anchor="t" anchorCtr="0" compatLnSpc="1">
+            <a:prstTxWarp prst="textNoShape">
+              <a:avLst/>
+            </a:prstTxWarp>
+          </a:bodyPr>
+          <a:lstStyle/>
+          <a:p>
+            <a:pPr marL="0" marR="0" indent="0" algn="l" defTabSz="914400" rtl="0" eaLnBrk="0" fontAlgn="base" latinLnBrk="0" hangingPunct="0">
+              <a:lnSpc>
+                <a:spcPct val="100000"/>
+              </a:lnSpc>
+              <a:spcBef>
+                <a:spcPct val="0"/>
+              </a:spcBef>
+              <a:spcAft>
+                <a:spcPct val="0"/>
+              </a:spcAft>
+              <a:buClrTx/>
+              <a:buSzTx/>
+              <a:buFontTx/>
+              <a:buNone/>
+              <a:tabLst/>
+            </a:pPr>
+            <a:endParaRPr kumimoji="0" lang="zh-CN" altLang="en-US" sz="2400" b="0" i="0" u="none" strike="noStrike" cap="none" normalizeH="0" baseline="0">
+              <a:ln>
+                <a:noFill/>
+              </a:ln>
+              <a:solidFill>
+                <a:schemeClr val="tx1"/>
+              </a:solidFill>
+              <a:effectLst/>
+              <a:latin typeface="Arial" charset="0"/>
+              <a:ea typeface="Osaka" charset="0"/>
+            </a:endParaRPr>
+          </a:p>
+        </p:txBody>
+      </p:sp>
     </p:spTree>
     <p:extLst>
       <p:ext uri="{BB962C8B-B14F-4D97-AF65-F5344CB8AC3E}">
@@ -12733,6 +13643,76 @@
               <a:rPr lang="en-US" sz="1000" dirty="0"/>
               <a:t>Image source: (Airflow, 2024)</a:t>
             </a:r>
+          </a:p>
+        </p:txBody>
+      </p:sp>
+      <p:sp>
+        <p:nvSpPr>
+          <p:cNvPr id="4" name="矩形 3">
+            <a:extLst>
+              <a:ext uri="{FF2B5EF4-FFF2-40B4-BE49-F238E27FC236}">
+                <a16:creationId xmlns:a16="http://schemas.microsoft.com/office/drawing/2014/main" id="{8E36D351-5C5D-2D6A-6CBA-9180A2B2D64A}"/>
+              </a:ext>
+            </a:extLst>
+          </p:cNvPr>
+          <p:cNvSpPr/>
+          <p:nvPr/>
+        </p:nvSpPr>
+        <p:spPr bwMode="auto">
+          <a:xfrm>
+            <a:off x="457200" y="6172200"/>
+            <a:ext cx="3581400" cy="381000"/>
+          </a:xfrm>
+          <a:prstGeom prst="rect">
+            <a:avLst/>
+          </a:prstGeom>
+          <a:solidFill>
+            <a:schemeClr val="bg1"/>
+          </a:solidFill>
+          <a:ln w="9525" cap="flat" cmpd="sng" algn="ctr">
+            <a:noFill/>
+            <a:prstDash val="solid"/>
+            <a:round/>
+            <a:headEnd type="none" w="med" len="med"/>
+            <a:tailEnd type="none" w="med" len="med"/>
+          </a:ln>
+          <a:effectLst/>
+        </p:spPr>
+        <p:txBody>
+          <a:bodyPr vert="horz" wrap="square" lIns="91440" tIns="45720" rIns="91440" bIns="45720" numCol="1" rtlCol="0" anchor="t" anchorCtr="0" compatLnSpc="1">
+            <a:prstTxWarp prst="textNoShape">
+              <a:avLst/>
+            </a:prstTxWarp>
+          </a:bodyPr>
+          <a:lstStyle/>
+          <a:p>
+            <a:pPr marL="0" marR="0" indent="0" algn="l" defTabSz="914400" rtl="0" eaLnBrk="0" fontAlgn="base" latinLnBrk="0" hangingPunct="0">
+              <a:lnSpc>
+                <a:spcPct val="100000"/>
+              </a:lnSpc>
+              <a:spcBef>
+                <a:spcPct val="0"/>
+              </a:spcBef>
+              <a:spcAft>
+                <a:spcPct val="0"/>
+              </a:spcAft>
+              <a:buClrTx/>
+              <a:buSzTx/>
+              <a:buFontTx/>
+              <a:buNone/>
+              <a:tabLst/>
+            </a:pPr>
+            <a:endParaRPr kumimoji="0" lang="zh-CN" altLang="en-US" sz="2400" b="0" i="0" u="none" strike="noStrike" cap="none" normalizeH="0" baseline="0">
+              <a:ln>
+                <a:noFill/>
+              </a:ln>
+              <a:solidFill>
+                <a:schemeClr val="tx1"/>
+              </a:solidFill>
+              <a:effectLst/>
+              <a:latin typeface="Arial" charset="0"/>
+              <a:ea typeface="Osaka" charset="0"/>
+            </a:endParaRPr>
           </a:p>
         </p:txBody>
       </p:sp>
